--- a/src/ppt3_ar.pptx
+++ b/src/ppt3_ar.pptx
@@ -117,7 +117,7 @@
   </p:defaultTextStyle>
   <p:extLst>
     <p:ext uri="{EFAFB233-063F-42B5-8137-9DF3F51BA10A}">
-      <p15:sldGuideLst xmlns:p15="http://schemas.microsoft.com/office/powerpoint/2012/main">
+      <p15:sldGuideLst xmlns:p15="http://schemas.microsoft.com/office/powerpoint/2012/main" xmlns="">
         <p15:guide id="1" orient="horz" pos="2160">
           <p15:clr>
             <a:srgbClr val="A4A3A4"/>
@@ -857,7 +857,7 @@
             <a:fld id="{48A87A34-81AB-432B-8DAE-1953F412C126}" type="datetimeFigureOut">
               <a:rPr lang="en-US" smtClean="0"/>
               <a:pPr/>
-              <a:t>12/15/2017</a:t>
+              <a:t>2/26/2018</a:t>
             </a:fld>
             <a:endParaRPr lang="en-US" dirty="0"/>
           </a:p>
@@ -909,7 +909,7 @@
     </p:spTree>
     <p:extLst>
       <p:ext uri="{BB962C8B-B14F-4D97-AF65-F5344CB8AC3E}">
-        <p14:creationId xmlns:p14="http://schemas.microsoft.com/office/powerpoint/2010/main" val="2379700270"/>
+        <p14:creationId xmlns:p14="http://schemas.microsoft.com/office/powerpoint/2010/main" xmlns="" val="2379700270"/>
       </p:ext>
     </p:extLst>
   </p:cSld>
@@ -1110,7 +1110,7 @@
             <a:fld id="{48A87A34-81AB-432B-8DAE-1953F412C126}" type="datetimeFigureOut">
               <a:rPr lang="en-US" smtClean="0"/>
               <a:pPr/>
-              <a:t>12/15/2017</a:t>
+              <a:t>2/26/2018</a:t>
             </a:fld>
             <a:endParaRPr lang="en-US" dirty="0"/>
           </a:p>
@@ -1162,7 +1162,7 @@
     </p:spTree>
     <p:extLst>
       <p:ext uri="{BB962C8B-B14F-4D97-AF65-F5344CB8AC3E}">
-        <p14:creationId xmlns:p14="http://schemas.microsoft.com/office/powerpoint/2010/main" val="1804991245"/>
+        <p14:creationId xmlns:p14="http://schemas.microsoft.com/office/powerpoint/2010/main" xmlns="" val="1804991245"/>
       </p:ext>
     </p:extLst>
   </p:cSld>
@@ -1426,7 +1426,7 @@
             <a:fld id="{48A87A34-81AB-432B-8DAE-1953F412C126}" type="datetimeFigureOut">
               <a:rPr lang="en-US" smtClean="0"/>
               <a:pPr/>
-              <a:t>12/15/2017</a:t>
+              <a:t>2/26/2018</a:t>
             </a:fld>
             <a:endParaRPr lang="en-US" dirty="0"/>
           </a:p>
@@ -1568,7 +1568,7 @@
     </p:spTree>
     <p:extLst>
       <p:ext uri="{BB962C8B-B14F-4D97-AF65-F5344CB8AC3E}">
-        <p14:creationId xmlns:p14="http://schemas.microsoft.com/office/powerpoint/2010/main" val="1473712570"/>
+        <p14:creationId xmlns:p14="http://schemas.microsoft.com/office/powerpoint/2010/main" xmlns="" val="1473712570"/>
       </p:ext>
     </p:extLst>
   </p:cSld>
@@ -1769,7 +1769,7 @@
             <a:fld id="{48A87A34-81AB-432B-8DAE-1953F412C126}" type="datetimeFigureOut">
               <a:rPr lang="en-US" smtClean="0"/>
               <a:pPr/>
-              <a:t>12/15/2017</a:t>
+              <a:t>2/26/2018</a:t>
             </a:fld>
             <a:endParaRPr lang="en-US" dirty="0"/>
           </a:p>
@@ -1821,7 +1821,7 @@
     </p:spTree>
     <p:extLst>
       <p:ext uri="{BB962C8B-B14F-4D97-AF65-F5344CB8AC3E}">
-        <p14:creationId xmlns:p14="http://schemas.microsoft.com/office/powerpoint/2010/main" val="2530574234"/>
+        <p14:creationId xmlns:p14="http://schemas.microsoft.com/office/powerpoint/2010/main" xmlns="" val="2530574234"/>
       </p:ext>
     </p:extLst>
   </p:cSld>
@@ -2085,7 +2085,7 @@
             <a:fld id="{48A87A34-81AB-432B-8DAE-1953F412C126}" type="datetimeFigureOut">
               <a:rPr lang="en-US" smtClean="0"/>
               <a:pPr/>
-              <a:t>12/15/2017</a:t>
+              <a:t>2/26/2018</a:t>
             </a:fld>
             <a:endParaRPr lang="en-US" dirty="0"/>
           </a:p>
@@ -2219,7 +2219,7 @@
     </p:spTree>
     <p:extLst>
       <p:ext uri="{BB962C8B-B14F-4D97-AF65-F5344CB8AC3E}">
-        <p14:creationId xmlns:p14="http://schemas.microsoft.com/office/powerpoint/2010/main" val="1004790222"/>
+        <p14:creationId xmlns:p14="http://schemas.microsoft.com/office/powerpoint/2010/main" xmlns="" val="1004790222"/>
       </p:ext>
     </p:extLst>
   </p:cSld>
@@ -2480,7 +2480,7 @@
             <a:fld id="{48A87A34-81AB-432B-8DAE-1953F412C126}" type="datetimeFigureOut">
               <a:rPr lang="en-US" smtClean="0"/>
               <a:pPr/>
-              <a:t>12/15/2017</a:t>
+              <a:t>2/26/2018</a:t>
             </a:fld>
             <a:endParaRPr lang="en-US" dirty="0"/>
           </a:p>
@@ -2532,7 +2532,7 @@
     </p:spTree>
     <p:extLst>
       <p:ext uri="{BB962C8B-B14F-4D97-AF65-F5344CB8AC3E}">
-        <p14:creationId xmlns:p14="http://schemas.microsoft.com/office/powerpoint/2010/main" val="3328784466"/>
+        <p14:creationId xmlns:p14="http://schemas.microsoft.com/office/powerpoint/2010/main" xmlns="" val="3328784466"/>
       </p:ext>
     </p:extLst>
   </p:cSld>
@@ -2652,7 +2652,7 @@
             <a:fld id="{48A87A34-81AB-432B-8DAE-1953F412C126}" type="datetimeFigureOut">
               <a:rPr lang="en-US" smtClean="0"/>
               <a:pPr/>
-              <a:t>12/15/2017</a:t>
+              <a:t>2/26/2018</a:t>
             </a:fld>
             <a:endParaRPr lang="en-US" dirty="0"/>
           </a:p>
@@ -2704,7 +2704,7 @@
     </p:spTree>
     <p:extLst>
       <p:ext uri="{BB962C8B-B14F-4D97-AF65-F5344CB8AC3E}">
-        <p14:creationId xmlns:p14="http://schemas.microsoft.com/office/powerpoint/2010/main" val="1447070425"/>
+        <p14:creationId xmlns:p14="http://schemas.microsoft.com/office/powerpoint/2010/main" xmlns="" val="1447070425"/>
       </p:ext>
     </p:extLst>
   </p:cSld>
@@ -2834,7 +2834,7 @@
             <a:fld id="{48A87A34-81AB-432B-8DAE-1953F412C126}" type="datetimeFigureOut">
               <a:rPr lang="en-US" smtClean="0"/>
               <a:pPr/>
-              <a:t>12/15/2017</a:t>
+              <a:t>2/26/2018</a:t>
             </a:fld>
             <a:endParaRPr lang="en-US" dirty="0"/>
           </a:p>
@@ -2886,7 +2886,7 @@
     </p:spTree>
     <p:extLst>
       <p:ext uri="{BB962C8B-B14F-4D97-AF65-F5344CB8AC3E}">
-        <p14:creationId xmlns:p14="http://schemas.microsoft.com/office/powerpoint/2010/main" val="3648480235"/>
+        <p14:creationId xmlns:p14="http://schemas.microsoft.com/office/powerpoint/2010/main" xmlns="" val="3648480235"/>
       </p:ext>
     </p:extLst>
   </p:cSld>
@@ -3012,7 +3012,7 @@
             <a:fld id="{48A87A34-81AB-432B-8DAE-1953F412C126}" type="datetimeFigureOut">
               <a:rPr lang="en-US" smtClean="0"/>
               <a:pPr/>
-              <a:t>12/15/2017</a:t>
+              <a:t>2/26/2018</a:t>
             </a:fld>
             <a:endParaRPr lang="en-US" dirty="0"/>
           </a:p>
@@ -3064,7 +3064,7 @@
     </p:spTree>
     <p:extLst>
       <p:ext uri="{BB962C8B-B14F-4D97-AF65-F5344CB8AC3E}">
-        <p14:creationId xmlns:p14="http://schemas.microsoft.com/office/powerpoint/2010/main" val="2649633687"/>
+        <p14:creationId xmlns:p14="http://schemas.microsoft.com/office/powerpoint/2010/main" xmlns="" val="2649633687"/>
       </p:ext>
     </p:extLst>
   </p:cSld>
@@ -3261,7 +3261,7 @@
             <a:fld id="{48A87A34-81AB-432B-8DAE-1953F412C126}" type="datetimeFigureOut">
               <a:rPr lang="en-US" smtClean="0"/>
               <a:pPr/>
-              <a:t>12/15/2017</a:t>
+              <a:t>2/26/2018</a:t>
             </a:fld>
             <a:endParaRPr lang="en-US" dirty="0"/>
           </a:p>
@@ -3313,7 +3313,7 @@
     </p:spTree>
     <p:extLst>
       <p:ext uri="{BB962C8B-B14F-4D97-AF65-F5344CB8AC3E}">
-        <p14:creationId xmlns:p14="http://schemas.microsoft.com/office/powerpoint/2010/main" val="572893903"/>
+        <p14:creationId xmlns:p14="http://schemas.microsoft.com/office/powerpoint/2010/main" xmlns="" val="572893903"/>
       </p:ext>
     </p:extLst>
   </p:cSld>
@@ -3495,7 +3495,7 @@
             <a:fld id="{48A87A34-81AB-432B-8DAE-1953F412C126}" type="datetimeFigureOut">
               <a:rPr lang="en-US" smtClean="0"/>
               <a:pPr/>
-              <a:t>12/15/2017</a:t>
+              <a:t>2/26/2018</a:t>
             </a:fld>
             <a:endParaRPr lang="en-US" dirty="0"/>
           </a:p>
@@ -3547,7 +3547,7 @@
     </p:spTree>
     <p:extLst>
       <p:ext uri="{BB962C8B-B14F-4D97-AF65-F5344CB8AC3E}">
-        <p14:creationId xmlns:p14="http://schemas.microsoft.com/office/powerpoint/2010/main" val="3918475607"/>
+        <p14:creationId xmlns:p14="http://schemas.microsoft.com/office/powerpoint/2010/main" xmlns="" val="3918475607"/>
       </p:ext>
     </p:extLst>
   </p:cSld>
@@ -3871,7 +3871,7 @@
             <a:fld id="{48A87A34-81AB-432B-8DAE-1953F412C126}" type="datetimeFigureOut">
               <a:rPr lang="en-US" smtClean="0"/>
               <a:pPr/>
-              <a:t>12/15/2017</a:t>
+              <a:t>2/26/2018</a:t>
             </a:fld>
             <a:endParaRPr lang="en-US" dirty="0"/>
           </a:p>
@@ -3923,7 +3923,7 @@
     </p:spTree>
     <p:extLst>
       <p:ext uri="{BB962C8B-B14F-4D97-AF65-F5344CB8AC3E}">
-        <p14:creationId xmlns:p14="http://schemas.microsoft.com/office/powerpoint/2010/main" val="70569158"/>
+        <p14:creationId xmlns:p14="http://schemas.microsoft.com/office/powerpoint/2010/main" xmlns="" val="70569158"/>
       </p:ext>
     </p:extLst>
   </p:cSld>
@@ -3996,7 +3996,7 @@
             <a:fld id="{48A87A34-81AB-432B-8DAE-1953F412C126}" type="datetimeFigureOut">
               <a:rPr lang="en-US" smtClean="0"/>
               <a:pPr/>
-              <a:t>12/15/2017</a:t>
+              <a:t>2/26/2018</a:t>
             </a:fld>
             <a:endParaRPr lang="en-US" dirty="0"/>
           </a:p>
@@ -4048,7 +4048,7 @@
     </p:spTree>
     <p:extLst>
       <p:ext uri="{BB962C8B-B14F-4D97-AF65-F5344CB8AC3E}">
-        <p14:creationId xmlns:p14="http://schemas.microsoft.com/office/powerpoint/2010/main" val="3956773614"/>
+        <p14:creationId xmlns:p14="http://schemas.microsoft.com/office/powerpoint/2010/main" xmlns="" val="3956773614"/>
       </p:ext>
     </p:extLst>
   </p:cSld>
@@ -4093,7 +4093,7 @@
             <a:fld id="{48A87A34-81AB-432B-8DAE-1953F412C126}" type="datetimeFigureOut">
               <a:rPr lang="en-US" smtClean="0"/>
               <a:pPr/>
-              <a:t>12/15/2017</a:t>
+              <a:t>2/26/2018</a:t>
             </a:fld>
             <a:endParaRPr lang="en-US" dirty="0"/>
           </a:p>
@@ -4145,7 +4145,7 @@
     </p:spTree>
     <p:extLst>
       <p:ext uri="{BB962C8B-B14F-4D97-AF65-F5344CB8AC3E}">
-        <p14:creationId xmlns:p14="http://schemas.microsoft.com/office/powerpoint/2010/main" val="843387325"/>
+        <p14:creationId xmlns:p14="http://schemas.microsoft.com/office/powerpoint/2010/main" xmlns="" val="843387325"/>
       </p:ext>
     </p:extLst>
   </p:cSld>
@@ -4350,7 +4350,7 @@
             <a:fld id="{48A87A34-81AB-432B-8DAE-1953F412C126}" type="datetimeFigureOut">
               <a:rPr lang="en-US" smtClean="0"/>
               <a:pPr/>
-              <a:t>12/15/2017</a:t>
+              <a:t>2/26/2018</a:t>
             </a:fld>
             <a:endParaRPr lang="en-US" dirty="0"/>
           </a:p>
@@ -4402,7 +4402,7 @@
     </p:spTree>
     <p:extLst>
       <p:ext uri="{BB962C8B-B14F-4D97-AF65-F5344CB8AC3E}">
-        <p14:creationId xmlns:p14="http://schemas.microsoft.com/office/powerpoint/2010/main" val="614752468"/>
+        <p14:creationId xmlns:p14="http://schemas.microsoft.com/office/powerpoint/2010/main" xmlns="" val="614752468"/>
       </p:ext>
     </p:extLst>
   </p:cSld>
@@ -4615,7 +4615,7 @@
             <a:fld id="{48A87A34-81AB-432B-8DAE-1953F412C126}" type="datetimeFigureOut">
               <a:rPr lang="en-US" smtClean="0"/>
               <a:pPr/>
-              <a:t>12/15/2017</a:t>
+              <a:t>2/26/2018</a:t>
             </a:fld>
             <a:endParaRPr lang="en-US" dirty="0"/>
           </a:p>
@@ -4667,7 +4667,7 @@
     </p:spTree>
     <p:extLst>
       <p:ext uri="{BB962C8B-B14F-4D97-AF65-F5344CB8AC3E}">
-        <p14:creationId xmlns:p14="http://schemas.microsoft.com/office/powerpoint/2010/main" val="2525773852"/>
+        <p14:creationId xmlns:p14="http://schemas.microsoft.com/office/powerpoint/2010/main" xmlns="" val="2525773852"/>
       </p:ext>
     </p:extLst>
   </p:cSld>
@@ -5360,7 +5360,7 @@
             <a:fld id="{48A87A34-81AB-432B-8DAE-1953F412C126}" type="datetimeFigureOut">
               <a:rPr lang="en-US" smtClean="0"/>
               <a:pPr/>
-              <a:t>12/15/2017</a:t>
+              <a:t>2/26/2018</a:t>
             </a:fld>
             <a:endParaRPr lang="en-US" dirty="0"/>
           </a:p>
@@ -5446,7 +5446,7 @@
     </p:spTree>
     <p:extLst>
       <p:ext uri="{BB962C8B-B14F-4D97-AF65-F5344CB8AC3E}">
-        <p14:creationId xmlns:p14="http://schemas.microsoft.com/office/powerpoint/2010/main" val="2849168193"/>
+        <p14:creationId xmlns:p14="http://schemas.microsoft.com/office/powerpoint/2010/main" xmlns="" val="2849168193"/>
       </p:ext>
     </p:extLst>
   </p:cSld>
@@ -5897,13 +5897,13 @@
         </p:nvSpPr>
         <p:spPr>
           <a:xfrm>
-            <a:off x="0" y="1204332"/>
-            <a:ext cx="9274003" cy="3367668"/>
+            <a:off x="711200" y="1204332"/>
+            <a:ext cx="8562803" cy="3367668"/>
           </a:xfrm>
         </p:spPr>
         <p:txBody>
           <a:bodyPr>
-            <a:normAutofit/>
+            <a:normAutofit fontScale="90000"/>
           </a:bodyPr>
           <a:lstStyle/>
           <a:p>
@@ -5913,21 +5913,7 @@
                 <a:latin typeface="Ara Hamah Alislam" panose="00000500000000000000" pitchFamily="2" charset="-78"/>
                 <a:cs typeface="Ara Hamah Alislam" panose="00000500000000000000" pitchFamily="2" charset="-78"/>
               </a:rPr>
-              <a:t>إر</a:t>
-            </a:r>
-            <a:r>
-              <a:rPr lang="ar-EG" sz="8800" dirty="0" smtClean="0">
-                <a:latin typeface="Ara Hamah Alislam" panose="00000500000000000000" pitchFamily="2" charset="-78"/>
-                <a:cs typeface="Ara Hamah Alislam" panose="00000500000000000000" pitchFamily="2" charset="-78"/>
-              </a:rPr>
-              <a:t>سال </a:t>
-            </a:r>
-            <a:r>
-              <a:rPr lang="ar-EG" sz="8800" dirty="0" smtClean="0">
-                <a:latin typeface="Ara Hamah Alislam" panose="00000500000000000000" pitchFamily="2" charset="-78"/>
-                <a:cs typeface="Ara Hamah Alislam" panose="00000500000000000000" pitchFamily="2" charset="-78"/>
-              </a:rPr>
-              <a:t>الأوامر للروبوت </a:t>
+              <a:t>إرسال الأوامر للروبوت </a:t>
             </a:r>
             <a:br>
               <a:rPr lang="ar-EG" sz="8800" dirty="0" smtClean="0">
@@ -5940,14 +5926,7 @@
                 <a:latin typeface="Ara Hamah Alislam" panose="00000500000000000000" pitchFamily="2" charset="-78"/>
                 <a:cs typeface="Ara Hamah Alislam" panose="00000500000000000000" pitchFamily="2" charset="-78"/>
               </a:rPr>
-              <a:t>أهلا </a:t>
-            </a:r>
-            <a:r>
-              <a:rPr lang="ar-EG" sz="8800" dirty="0" smtClean="0">
-                <a:latin typeface="Ara Hamah Alislam" panose="00000500000000000000" pitchFamily="2" charset="-78"/>
-                <a:cs typeface="Ara Hamah Alislam" panose="00000500000000000000" pitchFamily="2" charset="-78"/>
-              </a:rPr>
-              <a:t>بكم الى سكراتش</a:t>
+              <a:t>أهلا بكم الى سكراتش</a:t>
             </a:r>
             <a:endParaRPr lang="he-IL" sz="8800" dirty="0">
               <a:latin typeface="Ara Hamah Alislam" panose="00000500000000000000" pitchFamily="2" charset="-78"/>
@@ -5958,7 +5937,7 @@
     </p:spTree>
     <p:extLst>
       <p:ext uri="{BB962C8B-B14F-4D97-AF65-F5344CB8AC3E}">
-        <p14:creationId xmlns:p14="http://schemas.microsoft.com/office/powerpoint/2010/main" val="1597654807"/>
+        <p14:creationId xmlns:p14="http://schemas.microsoft.com/office/powerpoint/2010/main" xmlns="" val="1597654807"/>
       </p:ext>
     </p:extLst>
   </p:cSld>
@@ -6016,67 +5995,67 @@
           <a:p>
             <a:pPr algn="r"/>
             <a:r>
-              <a:rPr lang="ar-EG" sz="5400" b="1" dirty="0" smtClean="0">
+              <a:rPr lang="ar-EG" sz="4400" b="1" dirty="0" smtClean="0">
                 <a:latin typeface="Ara Hamah Alislam" panose="00000500000000000000" pitchFamily="2" charset="-78"/>
                 <a:cs typeface="Ara Hamah Alislam" panose="00000500000000000000" pitchFamily="2" charset="-78"/>
               </a:rPr>
               <a:t>بيئة التطوير </a:t>
             </a:r>
             <a:r>
-              <a:rPr lang="en-US" sz="5400" b="1" dirty="0" smtClean="0">
-                <a:latin typeface="Ara Hamah Alislam" panose="00000500000000000000" pitchFamily="2" charset="-78"/>
-                <a:cs typeface="Ara Hamah Alislam" panose="00000500000000000000" pitchFamily="2" charset="-78"/>
+              <a:rPr lang="en-US" sz="4400" b="1" dirty="0" smtClean="0">
+                <a:latin typeface="Arial" pitchFamily="34" charset="0"/>
+                <a:cs typeface="Arial" pitchFamily="34" charset="0"/>
               </a:rPr>
               <a:t>ScratchX</a:t>
             </a:r>
             <a:r>
-              <a:rPr lang="he-IL" sz="5400" b="1" dirty="0" smtClean="0">
+              <a:rPr lang="he-IL" sz="4400" b="1" dirty="0" smtClean="0">
                 <a:latin typeface="Ara Hamah Alislam" panose="00000500000000000000" pitchFamily="2" charset="-78"/>
               </a:rPr>
               <a:t> </a:t>
             </a:r>
             <a:r>
-              <a:rPr lang="ar-EG" sz="5400" b="1" dirty="0" smtClean="0">
+              <a:rPr lang="ar-EG" sz="4400" b="1" dirty="0" smtClean="0">
                 <a:latin typeface="Ara Hamah Alislam" panose="00000500000000000000" pitchFamily="2" charset="-78"/>
                 <a:cs typeface="Ara Hamah Alislam" panose="00000500000000000000" pitchFamily="2" charset="-78"/>
               </a:rPr>
               <a:t>سكراتش </a:t>
             </a:r>
             <a:r>
-              <a:rPr lang="en-US" sz="5400" b="1" dirty="0" smtClean="0">
+              <a:rPr lang="en-US" sz="4400" b="1" dirty="0" smtClean="0">
                 <a:latin typeface="Ara Hamah Alislam" panose="00000500000000000000" pitchFamily="2" charset="-78"/>
                 <a:cs typeface="Ara Hamah Alislam" panose="00000500000000000000" pitchFamily="2" charset="-78"/>
               </a:rPr>
               <a:t>X</a:t>
             </a:r>
             <a:r>
-              <a:rPr lang="ar-EG" sz="5400" b="1" dirty="0" smtClean="0">
+              <a:rPr lang="ar-EG" sz="4400" b="1" dirty="0" smtClean="0">
                 <a:latin typeface="Ara Hamah Alislam" panose="00000500000000000000" pitchFamily="2" charset="-78"/>
                 <a:cs typeface="Ara Hamah Alislam" panose="00000500000000000000" pitchFamily="2" charset="-78"/>
               </a:rPr>
               <a:t> </a:t>
             </a:r>
             <a:r>
-              <a:rPr lang="he-IL" sz="5400" b="1" dirty="0" smtClean="0">
+              <a:rPr lang="he-IL" sz="4400" b="1" dirty="0" smtClean="0">
                 <a:latin typeface="Ara Hamah Alislam" panose="00000500000000000000" pitchFamily="2" charset="-78"/>
               </a:rPr>
               <a:t>- </a:t>
             </a:r>
             <a:r>
-              <a:rPr lang="ar-EG" sz="5400" b="1" dirty="0">
+              <a:rPr lang="ar-EG" sz="4400" b="1" dirty="0">
                 <a:latin typeface="Ara Hamah Alislam" panose="00000500000000000000" pitchFamily="2" charset="-78"/>
                 <a:cs typeface="Ara Hamah Alislam" panose="00000500000000000000" pitchFamily="2" charset="-78"/>
               </a:rPr>
               <a:t>أ</a:t>
             </a:r>
             <a:r>
-              <a:rPr lang="ar-EG" sz="5400" b="1" dirty="0" smtClean="0">
+              <a:rPr lang="ar-EG" sz="4400" b="1" dirty="0" smtClean="0">
                 <a:latin typeface="Ara Hamah Alislam" panose="00000500000000000000" pitchFamily="2" charset="-78"/>
                 <a:cs typeface="Ara Hamah Alislam" panose="00000500000000000000" pitchFamily="2" charset="-78"/>
               </a:rPr>
               <a:t>وامر</a:t>
             </a:r>
-            <a:endParaRPr lang="he-IL" sz="5400" b="1" dirty="0">
+            <a:endParaRPr lang="he-IL" sz="4400" b="1" dirty="0">
               <a:latin typeface="Ara Hamah Alislam" panose="00000500000000000000" pitchFamily="2" charset="-78"/>
             </a:endParaRPr>
           </a:p>
@@ -6094,8 +6073,8 @@
         </p:nvSpPr>
         <p:spPr>
           <a:xfrm>
-            <a:off x="-500744" y="1159518"/>
-            <a:ext cx="10537371" cy="5062654"/>
+            <a:off x="371475" y="1159518"/>
+            <a:ext cx="9665152" cy="5062654"/>
           </a:xfrm>
         </p:spPr>
         <p:txBody>
@@ -6105,118 +6084,111 @@
           <a:lstStyle/>
           <a:p>
             <a:r>
-              <a:rPr lang="he-IL" sz="4000" dirty="0" smtClean="0"/>
+              <a:rPr lang="he-IL" sz="3200" dirty="0" smtClean="0"/>
               <a:t> </a:t>
             </a:r>
             <a:r>
-              <a:rPr lang="ar-EG" sz="5000" dirty="0" smtClean="0">
+              <a:rPr lang="ar-EG" sz="4400" dirty="0" smtClean="0">
                 <a:latin typeface="Ara Hamah Alislam" panose="00000500000000000000" pitchFamily="2" charset="-78"/>
                 <a:cs typeface="Ara Hamah Alislam" panose="00000500000000000000" pitchFamily="2" charset="-78"/>
               </a:rPr>
               <a:t>فئات الأوامر </a:t>
             </a:r>
-            <a:endParaRPr lang="he-IL" sz="5000" dirty="0" smtClean="0">
+            <a:endParaRPr lang="he-IL" sz="4400" dirty="0" smtClean="0">
               <a:latin typeface="Ara Hamah Alislam" panose="00000500000000000000" pitchFamily="2" charset="-78"/>
             </a:endParaRPr>
           </a:p>
           <a:p>
             <a:pPr lvl="1"/>
             <a:r>
-              <a:rPr lang="he-IL" sz="5000" dirty="0" smtClean="0">
+              <a:rPr lang="he-IL" sz="4400" dirty="0" smtClean="0">
                 <a:latin typeface="Ara Hamah Alislam" panose="00000500000000000000" pitchFamily="2" charset="-78"/>
               </a:rPr>
               <a:t> </a:t>
             </a:r>
             <a:r>
-              <a:rPr lang="ar-EG" sz="5000" dirty="0" smtClean="0">
+              <a:rPr lang="ar-EG" sz="4400" dirty="0" smtClean="0">
                 <a:latin typeface="Ara Hamah Alislam" panose="00000500000000000000" pitchFamily="2" charset="-78"/>
                 <a:cs typeface="Ara Hamah Alislam" panose="00000500000000000000" pitchFamily="2" charset="-78"/>
               </a:rPr>
               <a:t>لون مختلف لكل فئة </a:t>
             </a:r>
-            <a:endParaRPr lang="he-IL" sz="5000" dirty="0" smtClean="0">
+            <a:endParaRPr lang="he-IL" sz="4400" dirty="0" smtClean="0">
               <a:latin typeface="Ara Hamah Alislam" panose="00000500000000000000" pitchFamily="2" charset="-78"/>
             </a:endParaRPr>
           </a:p>
           <a:p>
             <a:pPr lvl="1"/>
             <a:r>
-              <a:rPr lang="he-IL" sz="5000" dirty="0" smtClean="0">
+              <a:rPr lang="he-IL" sz="4400" dirty="0" smtClean="0">
                 <a:latin typeface="Ara Hamah Alislam" panose="00000500000000000000" pitchFamily="2" charset="-78"/>
               </a:rPr>
               <a:t> </a:t>
             </a:r>
             <a:r>
-              <a:rPr lang="ar-EG" sz="5000" dirty="0" smtClean="0">
+              <a:rPr lang="ar-EG" sz="4400" dirty="0" smtClean="0">
                 <a:latin typeface="Ara Hamah Alislam" panose="00000500000000000000" pitchFamily="2" charset="-78"/>
                 <a:cs typeface="Ara Hamah Alislam" panose="00000500000000000000" pitchFamily="2" charset="-78"/>
               </a:rPr>
               <a:t>قاسم مشترك لكل فئة </a:t>
             </a:r>
-            <a:endParaRPr lang="he-IL" sz="5000" dirty="0" smtClean="0">
+            <a:endParaRPr lang="he-IL" sz="4400" dirty="0" smtClean="0">
               <a:latin typeface="Ara Hamah Alislam" panose="00000500000000000000" pitchFamily="2" charset="-78"/>
             </a:endParaRPr>
           </a:p>
           <a:p>
             <a:r>
-              <a:rPr lang="he-IL" sz="5000" dirty="0" smtClean="0">
+              <a:rPr lang="he-IL" sz="4400" dirty="0" smtClean="0">
                 <a:latin typeface="Ara Hamah Alislam" panose="00000500000000000000" pitchFamily="2" charset="-78"/>
               </a:rPr>
               <a:t> </a:t>
             </a:r>
             <a:r>
-              <a:rPr lang="ar-EG" sz="5000" dirty="0" smtClean="0">
+              <a:rPr lang="ar-EG" sz="4400" dirty="0" smtClean="0">
                 <a:latin typeface="Ara Hamah Alislam" panose="00000500000000000000" pitchFamily="2" charset="-78"/>
                 <a:cs typeface="Ara Hamah Alislam" panose="00000500000000000000" pitchFamily="2" charset="-78"/>
               </a:rPr>
               <a:t>نظام تشغيل الأوامر </a:t>
             </a:r>
-            <a:endParaRPr lang="he-IL" sz="5000" dirty="0" smtClean="0">
+            <a:endParaRPr lang="he-IL" sz="4400" dirty="0" smtClean="0">
               <a:latin typeface="Ara Hamah Alislam" panose="00000500000000000000" pitchFamily="2" charset="-78"/>
             </a:endParaRPr>
           </a:p>
           <a:p>
             <a:pPr lvl="1"/>
             <a:r>
-              <a:rPr lang="he-IL" sz="5000" dirty="0" smtClean="0">
+              <a:rPr lang="he-IL" sz="4400" dirty="0" smtClean="0">
                 <a:latin typeface="Ara Hamah Alislam" panose="00000500000000000000" pitchFamily="2" charset="-78"/>
               </a:rPr>
               <a:t> </a:t>
             </a:r>
             <a:r>
-              <a:rPr lang="ar-EG" sz="5000" dirty="0" smtClean="0">
-                <a:latin typeface="Ara Hamah Alislam" panose="00000500000000000000" pitchFamily="2" charset="-78"/>
-                <a:cs typeface="Ara Hamah Alislam" panose="00000500000000000000" pitchFamily="2" charset="-78"/>
-              </a:rPr>
-              <a:t>نقرة م</a:t>
-            </a:r>
-            <a:r>
-              <a:rPr lang="ar-EG" sz="5000" dirty="0" smtClean="0">
-                <a:latin typeface="Ara Hamah Alislam" panose="00000500000000000000" pitchFamily="2" charset="-78"/>
-                <a:cs typeface="Ara Hamah Alislam" panose="00000500000000000000" pitchFamily="2" charset="-78"/>
-              </a:rPr>
-              <a:t>زدوجة لتشغيل فوري لمرة واحدة </a:t>
-            </a:r>
-            <a:endParaRPr lang="he-IL" sz="5000" dirty="0" smtClean="0">
+              <a:rPr lang="ar-EG" sz="4400" dirty="0" smtClean="0">
+                <a:latin typeface="Ara Hamah Alislam" panose="00000500000000000000" pitchFamily="2" charset="-78"/>
+                <a:cs typeface="Ara Hamah Alislam" panose="00000500000000000000" pitchFamily="2" charset="-78"/>
+              </a:rPr>
+              <a:t>نقرة مزدوجة لتشغيل فوري لمرة واحدة </a:t>
+            </a:r>
+            <a:endParaRPr lang="he-IL" sz="4400" dirty="0" smtClean="0">
               <a:latin typeface="Ara Hamah Alislam" panose="00000500000000000000" pitchFamily="2" charset="-78"/>
             </a:endParaRPr>
           </a:p>
           <a:p>
             <a:pPr lvl="1"/>
             <a:r>
-              <a:rPr lang="he-IL" sz="5000" dirty="0" smtClean="0">
+              <a:rPr lang="he-IL" sz="4400" dirty="0" smtClean="0">
                 <a:latin typeface="Ara Hamah Alislam" panose="00000500000000000000" pitchFamily="2" charset="-78"/>
               </a:rPr>
               <a:t> </a:t>
             </a:r>
             <a:r>
-              <a:rPr lang="ar-EG" sz="5000" dirty="0" smtClean="0">
+              <a:rPr lang="ar-EG" sz="4400" dirty="0" smtClean="0">
                 <a:latin typeface="Ara Hamah Alislam" panose="00000500000000000000" pitchFamily="2" charset="-78"/>
                 <a:cs typeface="Ara Hamah Alislam" panose="00000500000000000000" pitchFamily="2" charset="-78"/>
               </a:rPr>
               <a:t>الجر الى طاولة العمل من اجل تركيب سيناريو </a:t>
             </a:r>
-            <a:endParaRPr lang="he-IL" sz="5000" dirty="0" smtClean="0">
+            <a:endParaRPr lang="he-IL" sz="4400" dirty="0" smtClean="0">
               <a:latin typeface="Ara Hamah Alislam" panose="00000500000000000000" pitchFamily="2" charset="-78"/>
             </a:endParaRPr>
           </a:p>
@@ -6225,7 +6197,7 @@
     </p:spTree>
     <p:extLst>
       <p:ext uri="{BB962C8B-B14F-4D97-AF65-F5344CB8AC3E}">
-        <p14:creationId xmlns:p14="http://schemas.microsoft.com/office/powerpoint/2010/main" val="999608912"/>
+        <p14:creationId xmlns:p14="http://schemas.microsoft.com/office/powerpoint/2010/main" xmlns="" val="999608912"/>
       </p:ext>
     </p:extLst>
   </p:cSld>
@@ -6283,60 +6255,60 @@
           <a:p>
             <a:pPr algn="r"/>
             <a:r>
-              <a:rPr lang="ar-EG" sz="5400" b="1" dirty="0">
+              <a:rPr lang="ar-EG" sz="4400" b="1" dirty="0">
                 <a:latin typeface="Ara Hamah Alislam" panose="00000500000000000000" pitchFamily="2" charset="-78"/>
                 <a:cs typeface="Ara Hamah Alislam" panose="00000500000000000000" pitchFamily="2" charset="-78"/>
               </a:rPr>
               <a:t>بيئة التطوير </a:t>
             </a:r>
             <a:r>
-              <a:rPr lang="en-US" sz="5400" b="1" dirty="0">
-                <a:latin typeface="Ara Hamah Alislam" panose="00000500000000000000" pitchFamily="2" charset="-78"/>
-                <a:cs typeface="Ara Hamah Alislam" panose="00000500000000000000" pitchFamily="2" charset="-78"/>
+              <a:rPr lang="en-US" sz="4400" b="1" dirty="0">
+                <a:latin typeface="Arial" pitchFamily="34" charset="0"/>
+                <a:cs typeface="Arial" pitchFamily="34" charset="0"/>
               </a:rPr>
               <a:t>ScratchX</a:t>
             </a:r>
             <a:r>
-              <a:rPr lang="he-IL" sz="5400" b="1" dirty="0">
+              <a:rPr lang="he-IL" sz="4400" b="1" dirty="0">
                 <a:latin typeface="Ara Hamah Alislam" panose="00000500000000000000" pitchFamily="2" charset="-78"/>
               </a:rPr>
               <a:t> </a:t>
             </a:r>
             <a:r>
-              <a:rPr lang="ar-EG" sz="5400" b="1" dirty="0">
+              <a:rPr lang="ar-EG" sz="4400" b="1" dirty="0">
                 <a:latin typeface="Ara Hamah Alislam" panose="00000500000000000000" pitchFamily="2" charset="-78"/>
                 <a:cs typeface="Ara Hamah Alislam" panose="00000500000000000000" pitchFamily="2" charset="-78"/>
               </a:rPr>
               <a:t>سكراتش </a:t>
             </a:r>
             <a:r>
-              <a:rPr lang="en-US" sz="5400" b="1" dirty="0">
+              <a:rPr lang="en-US" sz="4400" b="1" dirty="0">
                 <a:latin typeface="Ara Hamah Alislam" panose="00000500000000000000" pitchFamily="2" charset="-78"/>
                 <a:cs typeface="Ara Hamah Alislam" panose="00000500000000000000" pitchFamily="2" charset="-78"/>
               </a:rPr>
               <a:t>X</a:t>
             </a:r>
             <a:r>
-              <a:rPr lang="ar-EG" sz="5400" b="1" dirty="0">
+              <a:rPr lang="ar-EG" sz="4400" b="1" dirty="0">
                 <a:latin typeface="Ara Hamah Alislam" panose="00000500000000000000" pitchFamily="2" charset="-78"/>
                 <a:cs typeface="Ara Hamah Alislam" panose="00000500000000000000" pitchFamily="2" charset="-78"/>
               </a:rPr>
               <a:t> </a:t>
             </a:r>
             <a:r>
-              <a:rPr lang="he-IL" sz="5400" b="1" dirty="0">
+              <a:rPr lang="he-IL" sz="4400" b="1" dirty="0">
                 <a:latin typeface="Ara Hamah Alislam" panose="00000500000000000000" pitchFamily="2" charset="-78"/>
               </a:rPr>
               <a:t>- </a:t>
             </a:r>
             <a:r>
-              <a:rPr lang="ar-EG" sz="5400" b="1" dirty="0">
+              <a:rPr lang="ar-EG" sz="4400" b="1" dirty="0">
                 <a:latin typeface="Ara Hamah Alislam" panose="00000500000000000000" pitchFamily="2" charset="-78"/>
                 <a:cs typeface="Ara Hamah Alislam" panose="00000500000000000000" pitchFamily="2" charset="-78"/>
               </a:rPr>
               <a:t>أوامر</a:t>
             </a:r>
-            <a:endParaRPr lang="he-IL" sz="5400" b="1" dirty="0"/>
+            <a:endParaRPr lang="he-IL" sz="4400" b="1" dirty="0"/>
           </a:p>
         </p:txBody>
       </p:sp>
@@ -6472,27 +6444,14 @@
               <a:rPr lang="he-IL" sz="5000" dirty="0" smtClean="0">
                 <a:latin typeface="Ara Hamah Alislam" panose="00000500000000000000" pitchFamily="2" charset="-78"/>
               </a:rPr>
-              <a:t> </a:t>
-            </a:r>
-            <a:r>
-              <a:rPr lang="he-IL" sz="5000" dirty="0" smtClean="0">
-                <a:latin typeface="Ara Hamah Alislam" panose="00000500000000000000" pitchFamily="2" charset="-78"/>
-              </a:rPr>
-              <a:t>– </a:t>
+              <a:t> – </a:t>
             </a:r>
             <a:r>
               <a:rPr lang="ar-EG" sz="5000" dirty="0" smtClean="0">
                 <a:latin typeface="Ara Hamah Alislam" panose="00000500000000000000" pitchFamily="2" charset="-78"/>
                 <a:cs typeface="Ara Hamah Alislam" panose="00000500000000000000" pitchFamily="2" charset="-78"/>
               </a:rPr>
-              <a:t>"</a:t>
-            </a:r>
-            <a:r>
-              <a:rPr lang="ar-EG" sz="5000" dirty="0" smtClean="0">
-                <a:latin typeface="Ara Hamah Alislam" panose="00000500000000000000" pitchFamily="2" charset="-78"/>
-                <a:cs typeface="Ara Hamah Alislam" panose="00000500000000000000" pitchFamily="2" charset="-78"/>
-              </a:rPr>
-              <a:t>اذا" و "اذا لم.."</a:t>
+              <a:t>"اذا" و "اذا لم.."</a:t>
             </a:r>
           </a:p>
           <a:p>
@@ -6513,7 +6472,7 @@
     </p:spTree>
     <p:extLst>
       <p:ext uri="{BB962C8B-B14F-4D97-AF65-F5344CB8AC3E}">
-        <p14:creationId xmlns:p14="http://schemas.microsoft.com/office/powerpoint/2010/main" val="999608912"/>
+        <p14:creationId xmlns:p14="http://schemas.microsoft.com/office/powerpoint/2010/main" xmlns="" val="999608912"/>
       </p:ext>
     </p:extLst>
   </p:cSld>
@@ -6626,10 +6585,6 @@
               </a:rPr>
               <a:t>X</a:t>
             </a:r>
-            <a:endParaRPr lang="en-US" sz="6000" dirty="0" smtClean="0">
-              <a:latin typeface="Ara Hamah Alislam" panose="00000500000000000000" pitchFamily="2" charset="-78"/>
-              <a:cs typeface="Ara Hamah Alislam" panose="00000500000000000000" pitchFamily="2" charset="-78"/>
-            </a:endParaRPr>
           </a:p>
           <a:p>
             <a:pPr marL="609600" indent="-609600"/>
@@ -6662,7 +6617,7 @@
     </p:spTree>
     <p:extLst>
       <p:ext uri="{BB962C8B-B14F-4D97-AF65-F5344CB8AC3E}">
-        <p14:creationId xmlns:p14="http://schemas.microsoft.com/office/powerpoint/2010/main" val="2508929371"/>
+        <p14:creationId xmlns:p14="http://schemas.microsoft.com/office/powerpoint/2010/main" xmlns="" val="2508929371"/>
       </p:ext>
     </p:extLst>
   </p:cSld>
@@ -6912,14 +6867,7 @@
                 <a:latin typeface="Ara Hamah Alislam" panose="00000500000000000000" pitchFamily="2" charset="-78"/>
                 <a:cs typeface="Ara Hamah Alislam" panose="00000500000000000000" pitchFamily="2" charset="-78"/>
               </a:rPr>
-              <a:t>ال</a:t>
-            </a:r>
-            <a:r>
-              <a:rPr lang="ar-EG" sz="11400" dirty="0" smtClean="0">
-                <a:latin typeface="Ara Hamah Alislam" panose="00000500000000000000" pitchFamily="2" charset="-78"/>
-                <a:cs typeface="Ara Hamah Alislam" panose="00000500000000000000" pitchFamily="2" charset="-78"/>
-              </a:rPr>
-              <a:t>ترتيب والنظافة </a:t>
+              <a:t>الترتيب والنظافة </a:t>
             </a:r>
             <a:endParaRPr lang="he-IL" sz="11400" dirty="0" smtClean="0">
               <a:latin typeface="Ara Hamah Alislam" panose="00000500000000000000" pitchFamily="2" charset="-78"/>
@@ -6936,7 +6884,7 @@
     </p:spTree>
     <p:extLst>
       <p:ext uri="{BB962C8B-B14F-4D97-AF65-F5344CB8AC3E}">
-        <p14:creationId xmlns:p14="http://schemas.microsoft.com/office/powerpoint/2010/main" val="2508929371"/>
+        <p14:creationId xmlns:p14="http://schemas.microsoft.com/office/powerpoint/2010/main" xmlns="" val="2508929371"/>
       </p:ext>
     </p:extLst>
   </p:cSld>
@@ -7024,7 +6972,7 @@
         </p:spPr>
         <p:txBody>
           <a:bodyPr>
-            <a:normAutofit/>
+            <a:normAutofit fontScale="92500" lnSpcReduction="20000"/>
           </a:bodyPr>
           <a:lstStyle/>
           <a:p>
@@ -7103,7 +7051,7 @@
     </p:spTree>
     <p:extLst>
       <p:ext uri="{BB962C8B-B14F-4D97-AF65-F5344CB8AC3E}">
-        <p14:creationId xmlns:p14="http://schemas.microsoft.com/office/powerpoint/2010/main" val="2508929371"/>
+        <p14:creationId xmlns:p14="http://schemas.microsoft.com/office/powerpoint/2010/main" xmlns="" val="2508929371"/>
       </p:ext>
     </p:extLst>
   </p:cSld>
@@ -7251,6 +7199,16 @@
               </a:rPr>
               <a:t> </a:t>
             </a:r>
+          </a:p>
+          <a:p>
+            <a:pPr lvl="1"/>
+            <a:r>
+              <a:rPr lang="ar-EG" sz="4200" dirty="0" smtClean="0">
+                <a:latin typeface="Ara Hamah Alislam" panose="00000500000000000000" pitchFamily="2" charset="-78"/>
+                <a:cs typeface="Ara Hamah Alislam" panose="00000500000000000000" pitchFamily="2" charset="-78"/>
+              </a:rPr>
+              <a:t> مثلا: اكتب أسماء 3 طلاب على اللوح </a:t>
+            </a:r>
             <a:endParaRPr lang="he-IL" sz="4200" dirty="0" smtClean="0">
               <a:latin typeface="Ara Hamah Alislam" panose="00000500000000000000" pitchFamily="2" charset="-78"/>
             </a:endParaRPr>
@@ -7262,83 +7220,63 @@
                 <a:latin typeface="Ara Hamah Alislam" panose="00000500000000000000" pitchFamily="2" charset="-78"/>
                 <a:cs typeface="Ara Hamah Alislam" panose="00000500000000000000" pitchFamily="2" charset="-78"/>
               </a:rPr>
-              <a:t> م</a:t>
+              <a:t>مثلا</a:t>
+            </a:r>
+            <a:r>
+              <a:rPr lang="he-IL" sz="4200" dirty="0" smtClean="0">
+                <a:latin typeface="Ara Hamah Alislam" panose="00000500000000000000" pitchFamily="2" charset="-78"/>
+              </a:rPr>
+              <a:t>: </a:t>
             </a:r>
             <a:r>
               <a:rPr lang="ar-EG" sz="4200" dirty="0" smtClean="0">
                 <a:latin typeface="Ara Hamah Alislam" panose="00000500000000000000" pitchFamily="2" charset="-78"/>
                 <a:cs typeface="Ara Hamah Alislam" panose="00000500000000000000" pitchFamily="2" charset="-78"/>
               </a:rPr>
-              <a:t>ثلا: اكتب أسماء 3 طلاب على اللوح </a:t>
+              <a:t>العب معي "زوج او فرد" </a:t>
             </a:r>
             <a:endParaRPr lang="he-IL" sz="4200" dirty="0" smtClean="0">
               <a:latin typeface="Ara Hamah Alislam" panose="00000500000000000000" pitchFamily="2" charset="-78"/>
             </a:endParaRPr>
           </a:p>
           <a:p>
-            <a:pPr lvl="1"/>
             <a:r>
               <a:rPr lang="ar-EG" sz="4200" dirty="0" smtClean="0">
                 <a:latin typeface="Ara Hamah Alislam" panose="00000500000000000000" pitchFamily="2" charset="-78"/>
                 <a:cs typeface="Ara Hamah Alislam" panose="00000500000000000000" pitchFamily="2" charset="-78"/>
               </a:rPr>
-              <a:t>مثلا</a:t>
-            </a:r>
-            <a:r>
-              <a:rPr lang="he-IL" sz="4200" dirty="0" smtClean="0">
-                <a:latin typeface="Ara Hamah Alislam" panose="00000500000000000000" pitchFamily="2" charset="-78"/>
-              </a:rPr>
-              <a:t>: </a:t>
-            </a:r>
-            <a:r>
-              <a:rPr lang="ar-EG" sz="4200" dirty="0" smtClean="0">
-                <a:latin typeface="Ara Hamah Alislam" panose="00000500000000000000" pitchFamily="2" charset="-78"/>
-                <a:cs typeface="Ara Hamah Alislam" panose="00000500000000000000" pitchFamily="2" charset="-78"/>
-              </a:rPr>
-              <a:t>العب معي "زوج او فرد" </a:t>
+              <a:t> الطالب هو روبوت !</a:t>
             </a:r>
             <a:endParaRPr lang="he-IL" sz="4200" dirty="0" smtClean="0">
               <a:latin typeface="Ara Hamah Alislam" panose="00000500000000000000" pitchFamily="2" charset="-78"/>
             </a:endParaRPr>
           </a:p>
           <a:p>
+            <a:pPr lvl="1"/>
+            <a:r>
+              <a:rPr lang="ar-EG" sz="4200" dirty="0">
+                <a:latin typeface="Ara Hamah Alislam" panose="00000500000000000000" pitchFamily="2" charset="-78"/>
+                <a:cs typeface="Ara Hamah Alislam" panose="00000500000000000000" pitchFamily="2" charset="-78"/>
+              </a:rPr>
+              <a:t> </a:t>
+            </a:r>
             <a:r>
               <a:rPr lang="ar-EG" sz="4200" dirty="0" smtClean="0">
                 <a:latin typeface="Ara Hamah Alislam" panose="00000500000000000000" pitchFamily="2" charset="-78"/>
                 <a:cs typeface="Ara Hamah Alislam" panose="00000500000000000000" pitchFamily="2" charset="-78"/>
               </a:rPr>
-              <a:t> الطالب هو روبوت !</a:t>
+              <a:t>من يتطوع ان يكون المبرمج للروبوت ؟ </a:t>
             </a:r>
             <a:endParaRPr lang="he-IL" sz="4200" dirty="0" smtClean="0">
               <a:latin typeface="Ara Hamah Alislam" panose="00000500000000000000" pitchFamily="2" charset="-78"/>
             </a:endParaRPr>
           </a:p>
-          <a:p>
-            <a:pPr lvl="1"/>
-            <a:r>
-              <a:rPr lang="ar-EG" sz="4200" dirty="0">
-                <a:latin typeface="Ara Hamah Alislam" panose="00000500000000000000" pitchFamily="2" charset="-78"/>
-                <a:cs typeface="Ara Hamah Alislam" panose="00000500000000000000" pitchFamily="2" charset="-78"/>
-              </a:rPr>
-              <a:t> </a:t>
-            </a:r>
-            <a:r>
-              <a:rPr lang="ar-EG" sz="4200" dirty="0" smtClean="0">
-                <a:latin typeface="Ara Hamah Alislam" panose="00000500000000000000" pitchFamily="2" charset="-78"/>
-                <a:cs typeface="Ara Hamah Alislam" panose="00000500000000000000" pitchFamily="2" charset="-78"/>
-              </a:rPr>
-              <a:t>من يتطوع ان يكون المبرمج للروبوت ؟ </a:t>
-            </a:r>
-            <a:endParaRPr lang="he-IL" sz="4200" dirty="0" smtClean="0">
-              <a:latin typeface="Ara Hamah Alislam" panose="00000500000000000000" pitchFamily="2" charset="-78"/>
-            </a:endParaRPr>
-          </a:p>
         </p:txBody>
       </p:sp>
     </p:spTree>
     <p:extLst>
       <p:ext uri="{BB962C8B-B14F-4D97-AF65-F5344CB8AC3E}">
-        <p14:creationId xmlns:p14="http://schemas.microsoft.com/office/powerpoint/2010/main" val="2508929371"/>
+        <p14:creationId xmlns:p14="http://schemas.microsoft.com/office/powerpoint/2010/main" xmlns="" val="2508929371"/>
       </p:ext>
     </p:extLst>
   </p:cSld>
@@ -7420,8 +7358,8 @@
         </p:nvSpPr>
         <p:spPr>
           <a:xfrm>
-            <a:off x="-182951" y="1161144"/>
-            <a:ext cx="11438779" cy="5392057"/>
+            <a:off x="0" y="1320800"/>
+            <a:ext cx="9799782" cy="5232401"/>
           </a:xfrm>
         </p:spPr>
         <p:txBody>
@@ -7432,76 +7370,52 @@
           <a:p>
             <a:pPr marL="609600" indent="-609600"/>
             <a:r>
-              <a:rPr lang="ar-EG" sz="4000" dirty="0" smtClean="0">
-                <a:latin typeface="Ara Hamah Alislam" panose="00000500000000000000" pitchFamily="2" charset="-78"/>
-                <a:cs typeface="Ara Hamah Alislam" panose="00000500000000000000" pitchFamily="2" charset="-78"/>
-              </a:rPr>
-              <a:t>لا يستطيع الروبوت ان يخمن ماذا كان ق</a:t>
-            </a:r>
-            <a:r>
-              <a:rPr lang="ar-EG" sz="4000" dirty="0" smtClean="0">
-                <a:latin typeface="Ara Hamah Alislam" panose="00000500000000000000" pitchFamily="2" charset="-78"/>
-                <a:cs typeface="Ara Hamah Alislam" panose="00000500000000000000" pitchFamily="2" charset="-78"/>
-              </a:rPr>
-              <a:t>صدنا او ماذا اردنا , ولكنه يستطيع تنفيذ الأوامر التي ترسل اليه بدقة وبدون تأويل</a:t>
-            </a:r>
-            <a:r>
-              <a:rPr lang="he-IL" sz="4000" dirty="0" smtClean="0">
+              <a:rPr lang="ar-EG" sz="3400" dirty="0" smtClean="0">
+                <a:latin typeface="Ara Hamah Alislam" panose="00000500000000000000" pitchFamily="2" charset="-78"/>
+                <a:cs typeface="Ara Hamah Alislam" panose="00000500000000000000" pitchFamily="2" charset="-78"/>
+              </a:rPr>
+              <a:t>لا يستطيع الروبوت ان يخمن ماذا كان قصدنا او ماذا اردنا , ولكنه يستطيع تنفيذ الأوامر التي ترسل اليه بدقة وبدون تأويل</a:t>
+            </a:r>
+            <a:r>
+              <a:rPr lang="he-IL" sz="3400" dirty="0" smtClean="0">
                 <a:latin typeface="Ara Hamah Alislam" panose="00000500000000000000" pitchFamily="2" charset="-78"/>
               </a:rPr>
               <a:t>.</a:t>
             </a:r>
-            <a:endParaRPr lang="he-IL" sz="4000" dirty="0" smtClean="0">
+          </a:p>
+          <a:p>
+            <a:pPr marL="609600" indent="-609600"/>
+            <a:r>
+              <a:rPr lang="ar-EG" sz="3400" dirty="0" smtClean="0">
+                <a:latin typeface="Ara Hamah Alislam" panose="00000500000000000000" pitchFamily="2" charset="-78"/>
+                <a:cs typeface="Ara Hamah Alislam" panose="00000500000000000000" pitchFamily="2" charset="-78"/>
+              </a:rPr>
+              <a:t>اذا اردنا ان ينفذ الروبوت ما يطلب منه, فعلى الأوامر ان تكون كأنه "يفهمها" – أي, يستطيع تنفيذها  </a:t>
+            </a:r>
+          </a:p>
+          <a:p>
+            <a:pPr marL="609600" indent="-609600"/>
+            <a:r>
+              <a:rPr lang="ar-EG" sz="3400" dirty="0" smtClean="0">
+                <a:latin typeface="Ara Hamah Alislam" panose="00000500000000000000" pitchFamily="2" charset="-78"/>
+                <a:cs typeface="Ara Hamah Alislam" panose="00000500000000000000" pitchFamily="2" charset="-78"/>
+              </a:rPr>
+              <a:t>اذا اردنا ان ينفذ الروبوت مهمة معقدة لا يعرف كيف ينفذها, علينا ان نجزئها الى مهام صغيرة  يستطيع الروبوت تنفيذها   </a:t>
+            </a:r>
+            <a:endParaRPr lang="he-IL" sz="3400" dirty="0" smtClean="0">
               <a:latin typeface="Ara Hamah Alislam" panose="00000500000000000000" pitchFamily="2" charset="-78"/>
             </a:endParaRPr>
           </a:p>
           <a:p>
             <a:pPr marL="609600" indent="-609600"/>
             <a:r>
-              <a:rPr lang="ar-EG" sz="4000" dirty="0" smtClean="0">
-                <a:latin typeface="Ara Hamah Alislam" panose="00000500000000000000" pitchFamily="2" charset="-78"/>
-                <a:cs typeface="Ara Hamah Alislam" panose="00000500000000000000" pitchFamily="2" charset="-78"/>
-              </a:rPr>
-              <a:t>اذا اردنا ان ينفذ الروبوت ما يطلب منه, فعلى الأوامر ان تكون كأنه "يفهمها" – أي, يستطيع تنفيذها  </a:t>
-            </a:r>
-          </a:p>
-          <a:p>
-            <a:pPr marL="609600" indent="-609600"/>
-            <a:r>
-              <a:rPr lang="ar-EG" sz="4000" dirty="0" smtClean="0">
-                <a:latin typeface="Ara Hamah Alislam" panose="00000500000000000000" pitchFamily="2" charset="-78"/>
-                <a:cs typeface="Ara Hamah Alislam" panose="00000500000000000000" pitchFamily="2" charset="-78"/>
-              </a:rPr>
-              <a:t>اذا اردنا ان ينفذ الروبوت مهمة معقدة لا يعرف كيف ينفذها, علينا ان نجزئها الى مهام صغيرة  </a:t>
-            </a:r>
-            <a:r>
-              <a:rPr lang="ar-EG" sz="4000" dirty="0" smtClean="0">
-                <a:latin typeface="Ara Hamah Alislam" panose="00000500000000000000" pitchFamily="2" charset="-78"/>
-                <a:cs typeface="Ara Hamah Alislam" panose="00000500000000000000" pitchFamily="2" charset="-78"/>
-              </a:rPr>
-              <a:t>يستطيع الروبوت تنفيذها </a:t>
-            </a:r>
-            <a:r>
-              <a:rPr lang="ar-EG" sz="4000" dirty="0" smtClean="0">
-                <a:latin typeface="Ara Hamah Alislam" panose="00000500000000000000" pitchFamily="2" charset="-78"/>
-                <a:cs typeface="Ara Hamah Alislam" panose="00000500000000000000" pitchFamily="2" charset="-78"/>
-              </a:rPr>
-              <a:t>  </a:t>
-            </a:r>
-            <a:endParaRPr lang="he-IL" sz="4000" dirty="0" smtClean="0">
-              <a:latin typeface="Ara Hamah Alislam" panose="00000500000000000000" pitchFamily="2" charset="-78"/>
-            </a:endParaRPr>
-          </a:p>
-          <a:p>
-            <a:pPr marL="609600" indent="-609600"/>
-            <a:r>
-              <a:rPr lang="ar-EG" sz="4000" dirty="0" smtClean="0">
+              <a:rPr lang="ar-EG" sz="3400" dirty="0" smtClean="0">
                 <a:latin typeface="Ara Hamah Alislam" panose="00000500000000000000" pitchFamily="2" charset="-78"/>
                 <a:cs typeface="Ara Hamah Alislam" panose="00000500000000000000" pitchFamily="2" charset="-78"/>
               </a:rPr>
               <a:t>تستطيع الروبوتات تنفيذ مهام معقدة جدا, وفي بعض الأحيان تستطيع تنفيذ مهام ووظائف للبشر </a:t>
             </a:r>
-            <a:endParaRPr lang="he-IL" sz="4000" dirty="0" smtClean="0">
+            <a:endParaRPr lang="he-IL" sz="3400" dirty="0" smtClean="0">
               <a:latin typeface="Ara Hamah Alislam" panose="00000500000000000000" pitchFamily="2" charset="-78"/>
             </a:endParaRPr>
           </a:p>
@@ -7510,7 +7424,7 @@
     </p:spTree>
     <p:extLst>
       <p:ext uri="{BB962C8B-B14F-4D97-AF65-F5344CB8AC3E}">
-        <p14:creationId xmlns:p14="http://schemas.microsoft.com/office/powerpoint/2010/main" val="2508929371"/>
+        <p14:creationId xmlns:p14="http://schemas.microsoft.com/office/powerpoint/2010/main" xmlns="" val="2508929371"/>
       </p:ext>
     </p:extLst>
   </p:cSld>
@@ -7568,60 +7482,67 @@
           <a:p>
             <a:pPr algn="r"/>
             <a:r>
-              <a:rPr lang="ar-EG" sz="5200" dirty="0">
-                <a:latin typeface="Ara Hamah Alislam" panose="00000500000000000000" pitchFamily="2" charset="-78"/>
-                <a:cs typeface="Ara Hamah Alislam" panose="00000500000000000000" pitchFamily="2" charset="-78"/>
-              </a:rPr>
-              <a:t>بيئة التطوير </a:t>
-            </a:r>
-            <a:r>
-              <a:rPr lang="en-US" sz="5200" b="1" dirty="0" smtClean="0">
-                <a:latin typeface="Ara Hamah Alislam" panose="00000500000000000000" pitchFamily="2" charset="-78"/>
-                <a:cs typeface="Ara Hamah Alislam" panose="00000500000000000000" pitchFamily="2" charset="-78"/>
+              <a:rPr lang="ar-EG" sz="4400" dirty="0">
+                <a:latin typeface="Ara Hamah Alislam" panose="00000500000000000000" pitchFamily="2" charset="-78"/>
+                <a:cs typeface="Ara Hamah Alislam" panose="00000500000000000000" pitchFamily="2" charset="-78"/>
+              </a:rPr>
+              <a:t>بيئة </a:t>
+            </a:r>
+            <a:r>
+              <a:rPr lang="ar-EG" sz="4400" dirty="0" smtClean="0">
+                <a:latin typeface="Ara Hamah Alislam" panose="00000500000000000000" pitchFamily="2" charset="-78"/>
+                <a:cs typeface="Ara Hamah Alislam" panose="00000500000000000000" pitchFamily="2" charset="-78"/>
+              </a:rPr>
+              <a:t>التطوير </a:t>
+            </a:r>
+            <a:r>
+              <a:rPr lang="en-US" sz="4400" b="1" dirty="0" err="1" smtClean="0">
+                <a:latin typeface="Arial" pitchFamily="34" charset="0"/>
+                <a:cs typeface="Arial" pitchFamily="34" charset="0"/>
               </a:rPr>
               <a:t>ScratchX</a:t>
             </a:r>
             <a:r>
-              <a:rPr lang="he-IL" sz="5200" b="1" dirty="0" smtClean="0">
+              <a:rPr lang="he-IL" sz="4400" b="1" dirty="0" smtClean="0">
                 <a:latin typeface="Ara Hamah Alislam" panose="00000500000000000000" pitchFamily="2" charset="-78"/>
               </a:rPr>
               <a:t> </a:t>
             </a:r>
             <a:r>
-              <a:rPr lang="ar-EG" sz="5200" b="1" dirty="0" smtClean="0">
+              <a:rPr lang="ar-EG" sz="4400" b="1" dirty="0" smtClean="0">
                 <a:latin typeface="Ara Hamah Alislam" panose="00000500000000000000" pitchFamily="2" charset="-78"/>
                 <a:cs typeface="Ara Hamah Alislam" panose="00000500000000000000" pitchFamily="2" charset="-78"/>
               </a:rPr>
               <a:t>سكراتش</a:t>
             </a:r>
             <a:r>
-              <a:rPr lang="en-US" sz="5200" b="1" dirty="0" smtClean="0">
+              <a:rPr lang="en-US" sz="4400" b="1" dirty="0" smtClean="0">
                 <a:latin typeface="Ara Hamah Alislam" panose="00000500000000000000" pitchFamily="2" charset="-78"/>
                 <a:cs typeface="Ara Hamah Alislam" panose="00000500000000000000" pitchFamily="2" charset="-78"/>
               </a:rPr>
               <a:t>X</a:t>
             </a:r>
             <a:r>
-              <a:rPr lang="ar-EG" sz="5200" b="1" dirty="0" smtClean="0">
+              <a:rPr lang="ar-EG" sz="4400" b="1" dirty="0" smtClean="0">
                 <a:latin typeface="Ara Hamah Alislam" panose="00000500000000000000" pitchFamily="2" charset="-78"/>
                 <a:cs typeface="Ara Hamah Alislam" panose="00000500000000000000" pitchFamily="2" charset="-78"/>
               </a:rPr>
               <a:t> </a:t>
             </a:r>
             <a:r>
-              <a:rPr lang="he-IL" sz="5200" b="1" dirty="0" smtClean="0">
+              <a:rPr lang="he-IL" sz="4400" b="1" dirty="0" smtClean="0">
                 <a:latin typeface="Ara Hamah Alislam" panose="00000500000000000000" pitchFamily="2" charset="-78"/>
               </a:rPr>
               <a:t>– </a:t>
             </a:r>
             <a:r>
-              <a:rPr lang="ar-EG" sz="5200" b="1" dirty="0" smtClean="0">
+              <a:rPr lang="ar-EG" sz="4400" b="1" dirty="0" smtClean="0">
                 <a:latin typeface="Ara Hamah Alislam" panose="00000500000000000000" pitchFamily="2" charset="-78"/>
                 <a:cs typeface="Ara Hamah Alislam" panose="00000500000000000000" pitchFamily="2" charset="-78"/>
               </a:rPr>
               <a:t>مصطلحات </a:t>
             </a:r>
-            <a:endParaRPr lang="he-IL" sz="5200" b="1" dirty="0">
+            <a:endParaRPr lang="he-IL" sz="4400" b="1" dirty="0">
               <a:latin typeface="Ara Hamah Alislam" panose="00000500000000000000" pitchFamily="2" charset="-78"/>
             </a:endParaRPr>
           </a:p>
@@ -7640,7 +7561,7 @@
         <p:spPr>
           <a:xfrm>
             <a:off x="0" y="1145920"/>
-            <a:ext cx="10689771" cy="5777394"/>
+            <a:ext cx="9772073" cy="5777394"/>
           </a:xfrm>
         </p:spPr>
         <p:txBody>
@@ -7650,202 +7571,166 @@
           <a:lstStyle/>
           <a:p>
             <a:r>
-              <a:rPr lang="ar-EG" sz="4400" dirty="0">
+              <a:rPr lang="ar-EG" sz="4000" dirty="0">
                 <a:latin typeface="Ara Hamah Alislam" panose="00000500000000000000" pitchFamily="2" charset="-78"/>
                 <a:cs typeface="Ara Hamah Alislam" panose="00000500000000000000" pitchFamily="2" charset="-78"/>
               </a:rPr>
               <a:t>خوارزمية</a:t>
             </a:r>
             <a:r>
-              <a:rPr lang="he-IL" sz="4400" dirty="0" smtClean="0">
-                <a:latin typeface="Ara Hamah Alislam" panose="00000500000000000000" pitchFamily="2" charset="-78"/>
-              </a:rPr>
-              <a:t> </a:t>
-            </a:r>
-            <a:r>
-              <a:rPr lang="he-IL" sz="4400" dirty="0" smtClean="0">
-                <a:latin typeface="Ara Hamah Alislam" panose="00000500000000000000" pitchFamily="2" charset="-78"/>
-              </a:rPr>
-              <a:t>-  </a:t>
-            </a:r>
-            <a:r>
-              <a:rPr lang="ar-EG" sz="4400" dirty="0" smtClean="0">
+              <a:rPr lang="he-IL" sz="4000" dirty="0" smtClean="0">
+                <a:latin typeface="Ara Hamah Alislam" panose="00000500000000000000" pitchFamily="2" charset="-78"/>
+              </a:rPr>
+              <a:t> -  </a:t>
+            </a:r>
+            <a:r>
+              <a:rPr lang="ar-EG" sz="4000" dirty="0" smtClean="0">
                 <a:latin typeface="Ara Hamah Alislam" panose="00000500000000000000" pitchFamily="2" charset="-78"/>
                 <a:cs typeface="Ara Hamah Alislam" panose="00000500000000000000" pitchFamily="2" charset="-78"/>
               </a:rPr>
               <a:t>طريقة منهجية لتنفيذ مهمة معينة بعدد نهائي من الخطوات.</a:t>
             </a:r>
-            <a:endParaRPr lang="en-US" sz="4400" dirty="0" smtClean="0">
+            <a:endParaRPr lang="en-US" sz="4000" dirty="0" smtClean="0">
               <a:latin typeface="Ara Hamah Alislam" panose="00000500000000000000" pitchFamily="2" charset="-78"/>
               <a:cs typeface="Ara Hamah Alislam" panose="00000500000000000000" pitchFamily="2" charset="-78"/>
             </a:endParaRPr>
           </a:p>
           <a:p>
             <a:r>
-              <a:rPr lang="ar-EG" sz="4400" dirty="0" smtClean="0">
+              <a:rPr lang="ar-EG" sz="4000" dirty="0" smtClean="0">
                 <a:latin typeface="Ara Hamah Alislam" panose="00000500000000000000" pitchFamily="2" charset="-78"/>
                 <a:cs typeface="Ara Hamah Alislam" panose="00000500000000000000" pitchFamily="2" charset="-78"/>
               </a:rPr>
               <a:t>لغة برمجة </a:t>
             </a:r>
             <a:r>
-              <a:rPr lang="he-IL" sz="4400" dirty="0" smtClean="0">
+              <a:rPr lang="he-IL" sz="4000" dirty="0" smtClean="0">
                 <a:latin typeface="Ara Hamah Alislam" panose="00000500000000000000" pitchFamily="2" charset="-78"/>
               </a:rPr>
               <a:t>– </a:t>
             </a:r>
             <a:r>
-              <a:rPr lang="ar-EG" sz="4400" dirty="0" smtClean="0">
+              <a:rPr lang="ar-EG" sz="4000" dirty="0" smtClean="0">
                 <a:latin typeface="Ara Hamah Alislam" panose="00000500000000000000" pitchFamily="2" charset="-78"/>
                 <a:cs typeface="Ara Hamah Alislam" panose="00000500000000000000" pitchFamily="2" charset="-78"/>
               </a:rPr>
               <a:t>لغة لكتابة برامج حاسوب</a:t>
             </a:r>
-            <a:endParaRPr lang="he-IL" sz="4400" dirty="0" smtClean="0">
+            <a:endParaRPr lang="he-IL" sz="4000" dirty="0" smtClean="0">
               <a:latin typeface="Ara Hamah Alislam" panose="00000500000000000000" pitchFamily="2" charset="-78"/>
             </a:endParaRPr>
           </a:p>
           <a:p>
             <a:r>
-              <a:rPr lang="ar-EG" sz="4400" dirty="0" smtClean="0">
+              <a:rPr lang="ar-EG" sz="4000" dirty="0" smtClean="0">
                 <a:latin typeface="Ara Hamah Alislam" panose="00000500000000000000" pitchFamily="2" charset="-78"/>
                 <a:cs typeface="Ara Hamah Alislam" panose="00000500000000000000" pitchFamily="2" charset="-78"/>
               </a:rPr>
               <a:t>برنامج حاسوب </a:t>
             </a:r>
             <a:r>
-              <a:rPr lang="he-IL" sz="4400" dirty="0" smtClean="0">
+              <a:rPr lang="he-IL" sz="4000" dirty="0" smtClean="0">
                 <a:latin typeface="Ara Hamah Alislam" panose="00000500000000000000" pitchFamily="2" charset="-78"/>
               </a:rPr>
               <a:t>– </a:t>
             </a:r>
             <a:r>
-              <a:rPr lang="ar-EG" sz="4400" dirty="0" smtClean="0">
-                <a:latin typeface="Ara Hamah Alislam" panose="00000500000000000000" pitchFamily="2" charset="-78"/>
-                <a:cs typeface="Ara Hamah Alislam" panose="00000500000000000000" pitchFamily="2" charset="-78"/>
-              </a:rPr>
-              <a:t>سلسلة</a:t>
-            </a:r>
-            <a:r>
-              <a:rPr lang="ar-EG" sz="4400" dirty="0" smtClean="0">
-                <a:latin typeface="Ara Hamah Alislam" panose="00000500000000000000" pitchFamily="2" charset="-78"/>
-                <a:cs typeface="Ara Hamah Alislam" panose="00000500000000000000" pitchFamily="2" charset="-78"/>
-              </a:rPr>
-              <a:t> أ</a:t>
-            </a:r>
-            <a:r>
-              <a:rPr lang="en-US" sz="4400" dirty="0" smtClean="0">
+              <a:rPr lang="ar-EG" sz="4000" dirty="0" smtClean="0">
+                <a:latin typeface="Ara Hamah Alislam" panose="00000500000000000000" pitchFamily="2" charset="-78"/>
+                <a:cs typeface="Ara Hamah Alislam" panose="00000500000000000000" pitchFamily="2" charset="-78"/>
+              </a:rPr>
+              <a:t>سلسلة أ</a:t>
+            </a:r>
+            <a:r>
+              <a:rPr lang="en-US" sz="4000" dirty="0" smtClean="0">
                 <a:latin typeface="Ara Hamah Alislam" panose="00000500000000000000" pitchFamily="2" charset="-78"/>
                 <a:cs typeface="Ara Hamah Alislam" panose="00000500000000000000" pitchFamily="2" charset="-78"/>
               </a:rPr>
               <a:t> </a:t>
             </a:r>
             <a:r>
-              <a:rPr lang="ar-EG" sz="4400" dirty="0" smtClean="0">
+              <a:rPr lang="ar-EG" sz="4000" dirty="0" smtClean="0">
                 <a:latin typeface="Ara Hamah Alislam" panose="00000500000000000000" pitchFamily="2" charset="-78"/>
                 <a:cs typeface="Ara Hamah Alislam" panose="00000500000000000000" pitchFamily="2" charset="-78"/>
               </a:rPr>
               <a:t>وامر بلغة البرمجة وظيفتها تنفيذ مهمة </a:t>
             </a:r>
             <a:r>
-              <a:rPr lang="he-IL" sz="4400" dirty="0" smtClean="0">
+              <a:rPr lang="he-IL" sz="4000" dirty="0" smtClean="0">
                 <a:latin typeface="Ara Hamah Alislam" panose="00000500000000000000" pitchFamily="2" charset="-78"/>
               </a:rPr>
               <a:t>(</a:t>
             </a:r>
             <a:r>
-              <a:rPr lang="ar-EG" sz="4400" dirty="0">
+              <a:rPr lang="ar-EG" sz="4000" dirty="0">
                 <a:latin typeface="Ara Hamah Alislam" panose="00000500000000000000" pitchFamily="2" charset="-78"/>
                 <a:cs typeface="Ara Hamah Alislam" panose="00000500000000000000" pitchFamily="2" charset="-78"/>
               </a:rPr>
               <a:t>تحقيق </a:t>
             </a:r>
             <a:r>
-              <a:rPr lang="ar-EG" sz="4400" dirty="0" smtClean="0">
+              <a:rPr lang="ar-EG" sz="4000" dirty="0" smtClean="0">
                 <a:latin typeface="Ara Hamah Alislam" panose="00000500000000000000" pitchFamily="2" charset="-78"/>
                 <a:cs typeface="Ara Hamah Alislam" panose="00000500000000000000" pitchFamily="2" charset="-78"/>
               </a:rPr>
               <a:t>الخوارزمية </a:t>
             </a:r>
             <a:r>
-              <a:rPr lang="he-IL" sz="4400" dirty="0" smtClean="0">
+              <a:rPr lang="he-IL" sz="4000" dirty="0" smtClean="0">
                 <a:latin typeface="Ara Hamah Alislam" panose="00000500000000000000" pitchFamily="2" charset="-78"/>
               </a:rPr>
               <a:t>).</a:t>
             </a:r>
-            <a:endParaRPr lang="he-IL" sz="4400" dirty="0" smtClean="0">
-              <a:latin typeface="Ara Hamah Alislam" panose="00000500000000000000" pitchFamily="2" charset="-78"/>
-            </a:endParaRPr>
-          </a:p>
-          <a:p>
-            <a:r>
-              <a:rPr lang="ar-EG" sz="4400" dirty="0" smtClean="0">
-                <a:latin typeface="Ara Hamah Alislam" panose="00000500000000000000" pitchFamily="2" charset="-78"/>
-                <a:cs typeface="Ara Hamah Alislam" panose="00000500000000000000" pitchFamily="2" charset="-78"/>
-              </a:rPr>
-              <a:t>س</a:t>
-            </a:r>
-            <a:r>
-              <a:rPr lang="ar-EG" sz="4400" dirty="0" smtClean="0">
-                <a:latin typeface="Ara Hamah Alislam" panose="00000500000000000000" pitchFamily="2" charset="-78"/>
-                <a:cs typeface="Ara Hamah Alislam" panose="00000500000000000000" pitchFamily="2" charset="-78"/>
-              </a:rPr>
-              <a:t>يناريو</a:t>
-            </a:r>
-            <a:r>
-              <a:rPr lang="he-IL" sz="4400" dirty="0" smtClean="0">
+          </a:p>
+          <a:p>
+            <a:r>
+              <a:rPr lang="ar-EG" sz="4000" dirty="0" smtClean="0">
+                <a:latin typeface="Ara Hamah Alislam" panose="00000500000000000000" pitchFamily="2" charset="-78"/>
+                <a:cs typeface="Ara Hamah Alislam" panose="00000500000000000000" pitchFamily="2" charset="-78"/>
+              </a:rPr>
+              <a:t>سيناريو</a:t>
+            </a:r>
+            <a:r>
+              <a:rPr lang="he-IL" sz="4000" dirty="0" smtClean="0">
+                <a:latin typeface="Ara Hamah Alislam" panose="00000500000000000000" pitchFamily="2" charset="-78"/>
+              </a:rPr>
+              <a:t> – </a:t>
+            </a:r>
+            <a:r>
+              <a:rPr lang="ar-EG" sz="4000" dirty="0" smtClean="0">
+                <a:latin typeface="Ara Hamah Alislam" panose="00000500000000000000" pitchFamily="2" charset="-78"/>
+                <a:cs typeface="Ara Hamah Alislam" panose="00000500000000000000" pitchFamily="2" charset="-78"/>
+              </a:rPr>
+              <a:t>كلمة مرادفة</a:t>
+            </a:r>
+            <a:r>
+              <a:rPr lang="he-IL" sz="4000" dirty="0" smtClean="0">
                 <a:latin typeface="Ara Hamah Alislam" panose="00000500000000000000" pitchFamily="2" charset="-78"/>
               </a:rPr>
               <a:t> </a:t>
             </a:r>
             <a:r>
-              <a:rPr lang="he-IL" sz="4400" dirty="0" smtClean="0">
-                <a:latin typeface="Ara Hamah Alislam" panose="00000500000000000000" pitchFamily="2" charset="-78"/>
-              </a:rPr>
-              <a:t>– </a:t>
-            </a:r>
-            <a:r>
-              <a:rPr lang="ar-EG" sz="4400" dirty="0" smtClean="0">
-                <a:latin typeface="Ara Hamah Alislam" panose="00000500000000000000" pitchFamily="2" charset="-78"/>
-                <a:cs typeface="Ara Hamah Alislam" panose="00000500000000000000" pitchFamily="2" charset="-78"/>
-              </a:rPr>
-              <a:t>كلمة </a:t>
-            </a:r>
-            <a:r>
-              <a:rPr lang="ar-EG" sz="4400" dirty="0" smtClean="0">
-                <a:latin typeface="Ara Hamah Alislam" panose="00000500000000000000" pitchFamily="2" charset="-78"/>
-                <a:cs typeface="Ara Hamah Alislam" panose="00000500000000000000" pitchFamily="2" charset="-78"/>
-              </a:rPr>
-              <a:t>مرادفة</a:t>
-            </a:r>
-            <a:r>
-              <a:rPr lang="he-IL" sz="4400" dirty="0" smtClean="0">
-                <a:latin typeface="Ara Hamah Alislam" panose="00000500000000000000" pitchFamily="2" charset="-78"/>
-              </a:rPr>
-              <a:t> </a:t>
-            </a:r>
-            <a:r>
-              <a:rPr lang="ar-EG" sz="4400" dirty="0" smtClean="0">
+              <a:rPr lang="ar-EG" sz="4000" dirty="0" smtClean="0">
                 <a:latin typeface="Ara Hamah Alislam" panose="00000500000000000000" pitchFamily="2" charset="-78"/>
                 <a:cs typeface="Ara Hamah Alislam" panose="00000500000000000000" pitchFamily="2" charset="-78"/>
               </a:rPr>
               <a:t>لبرنامج حاسوب بلغة البرمجة سكراتش (</a:t>
             </a:r>
             <a:r>
-              <a:rPr lang="en-US" sz="4400" dirty="0" smtClean="0">
-                <a:latin typeface="Ara Hamah Alislam" panose="00000500000000000000" pitchFamily="2" charset="-78"/>
-                <a:cs typeface="Ara Hamah Alislam" panose="00000500000000000000" pitchFamily="2" charset="-78"/>
+              <a:rPr lang="en-US" sz="4000" dirty="0" smtClean="0">
+                <a:latin typeface="Arial" pitchFamily="34" charset="0"/>
+                <a:cs typeface="Arial" pitchFamily="34" charset="0"/>
               </a:rPr>
               <a:t>Scratch</a:t>
             </a:r>
             <a:r>
-              <a:rPr lang="ar-EG" sz="4400" dirty="0" smtClean="0">
+              <a:rPr lang="ar-EG" sz="4000" dirty="0" smtClean="0">
                 <a:latin typeface="Ara Hamah Alislam" panose="00000500000000000000" pitchFamily="2" charset="-78"/>
                 <a:cs typeface="Ara Hamah Alislam" panose="00000500000000000000" pitchFamily="2" charset="-78"/>
               </a:rPr>
               <a:t>) </a:t>
             </a:r>
-            <a:endParaRPr lang="he-IL" sz="4400" dirty="0">
+            <a:endParaRPr lang="he-IL" sz="4000" dirty="0">
               <a:latin typeface="Ara Hamah Alislam" panose="00000500000000000000" pitchFamily="2" charset="-78"/>
             </a:endParaRPr>
           </a:p>
@@ -7854,7 +7739,7 @@
     </p:spTree>
     <p:extLst>
       <p:ext uri="{BB962C8B-B14F-4D97-AF65-F5344CB8AC3E}">
-        <p14:creationId xmlns:p14="http://schemas.microsoft.com/office/powerpoint/2010/main" val="999608912"/>
+        <p14:creationId xmlns:p14="http://schemas.microsoft.com/office/powerpoint/2010/main" xmlns="" val="999608912"/>
       </p:ext>
     </p:extLst>
   </p:cSld>
@@ -7972,7 +7857,7 @@
     </p:spTree>
     <p:extLst>
       <p:ext uri="{BB962C8B-B14F-4D97-AF65-F5344CB8AC3E}">
-        <p14:creationId xmlns:p14="http://schemas.microsoft.com/office/powerpoint/2010/main" val="999608912"/>
+        <p14:creationId xmlns:p14="http://schemas.microsoft.com/office/powerpoint/2010/main" xmlns="" val="999608912"/>
       </p:ext>
     </p:extLst>
   </p:cSld>
@@ -8076,7 +7961,7 @@
           <a:blip r:embed="rId2">
             <a:extLst>
               <a:ext uri="{28A0092B-C50C-407E-A947-70E740481C1C}">
-                <a14:useLocalDpi xmlns:a14="http://schemas.microsoft.com/office/drawing/2010/main" val="0"/>
+                <a14:useLocalDpi xmlns:a14="http://schemas.microsoft.com/office/drawing/2010/main" xmlns="" val="0"/>
               </a:ext>
             </a:extLst>
           </a:blip>
@@ -8094,7 +7979,7 @@
     </p:spTree>
     <p:extLst>
       <p:ext uri="{BB962C8B-B14F-4D97-AF65-F5344CB8AC3E}">
-        <p14:creationId xmlns:p14="http://schemas.microsoft.com/office/powerpoint/2010/main" val="999608912"/>
+        <p14:creationId xmlns:p14="http://schemas.microsoft.com/office/powerpoint/2010/main" xmlns="" val="999608912"/>
       </p:ext>
     </p:extLst>
   </p:cSld>
@@ -8198,7 +8083,7 @@
           <a:blip r:embed="rId2">
             <a:extLst>
               <a:ext uri="{28A0092B-C50C-407E-A947-70E740481C1C}">
-                <a14:useLocalDpi xmlns:a14="http://schemas.microsoft.com/office/drawing/2010/main" val="0"/>
+                <a14:useLocalDpi xmlns:a14="http://schemas.microsoft.com/office/drawing/2010/main" xmlns="" val="0"/>
               </a:ext>
             </a:extLst>
           </a:blip>
@@ -8216,7 +8101,7 @@
     </p:spTree>
     <p:extLst>
       <p:ext uri="{BB962C8B-B14F-4D97-AF65-F5344CB8AC3E}">
-        <p14:creationId xmlns:p14="http://schemas.microsoft.com/office/powerpoint/2010/main" val="999608912"/>
+        <p14:creationId xmlns:p14="http://schemas.microsoft.com/office/powerpoint/2010/main" xmlns="" val="999608912"/>
       </p:ext>
     </p:extLst>
   </p:cSld>
@@ -8484,7 +8369,7 @@
   <a:extraClrSchemeLst/>
   <a:extLst>
     <a:ext uri="{05A4C25C-085E-4340-85A3-A5531E510DB2}">
-      <thm15:themeFamily xmlns:thm15="http://schemas.microsoft.com/office/thememl/2012/main" name="Facet" id="{C0C680CD-088A-49FC-A102-D699147F32B2}" vid="{CFBC31BA-B70F-4F30-BCAA-4F3011E16C4D}"/>
+      <thm15:themeFamily xmlns:thm15="http://schemas.microsoft.com/office/thememl/2012/main" xmlns="" name="Facet" id="{C0C680CD-088A-49FC-A102-D699147F32B2}" vid="{CFBC31BA-B70F-4F30-BCAA-4F3011E16C4D}"/>
     </a:ext>
   </a:extLst>
 </a:theme>

--- a/src/ppt3_ar.pptx
+++ b/src/ppt3_ar.pptx
@@ -117,7 +117,7 @@
   </p:defaultTextStyle>
   <p:extLst>
     <p:ext uri="{EFAFB233-063F-42B5-8137-9DF3F51BA10A}">
-      <p15:sldGuideLst xmlns:p15="http://schemas.microsoft.com/office/powerpoint/2012/main" xmlns="">
+      <p15:sldGuideLst xmlns="" xmlns:p15="http://schemas.microsoft.com/office/powerpoint/2012/main">
         <p15:guide id="1" orient="horz" pos="2160">
           <p15:clr>
             <a:srgbClr val="A4A3A4"/>
@@ -857,7 +857,7 @@
             <a:fld id="{48A87A34-81AB-432B-8DAE-1953F412C126}" type="datetimeFigureOut">
               <a:rPr lang="en-US" smtClean="0"/>
               <a:pPr/>
-              <a:t>2/26/2018</a:t>
+              <a:t>5/8/2018</a:t>
             </a:fld>
             <a:endParaRPr lang="en-US" dirty="0"/>
           </a:p>
@@ -909,7 +909,7 @@
     </p:spTree>
     <p:extLst>
       <p:ext uri="{BB962C8B-B14F-4D97-AF65-F5344CB8AC3E}">
-        <p14:creationId xmlns:p14="http://schemas.microsoft.com/office/powerpoint/2010/main" xmlns="" val="2379700270"/>
+        <p14:creationId xmlns="" xmlns:p14="http://schemas.microsoft.com/office/powerpoint/2010/main" val="2379700270"/>
       </p:ext>
     </p:extLst>
   </p:cSld>
@@ -1110,7 +1110,7 @@
             <a:fld id="{48A87A34-81AB-432B-8DAE-1953F412C126}" type="datetimeFigureOut">
               <a:rPr lang="en-US" smtClean="0"/>
               <a:pPr/>
-              <a:t>2/26/2018</a:t>
+              <a:t>5/8/2018</a:t>
             </a:fld>
             <a:endParaRPr lang="en-US" dirty="0"/>
           </a:p>
@@ -1162,7 +1162,7 @@
     </p:spTree>
     <p:extLst>
       <p:ext uri="{BB962C8B-B14F-4D97-AF65-F5344CB8AC3E}">
-        <p14:creationId xmlns:p14="http://schemas.microsoft.com/office/powerpoint/2010/main" xmlns="" val="1804991245"/>
+        <p14:creationId xmlns="" xmlns:p14="http://schemas.microsoft.com/office/powerpoint/2010/main" val="1804991245"/>
       </p:ext>
     </p:extLst>
   </p:cSld>
@@ -1426,7 +1426,7 @@
             <a:fld id="{48A87A34-81AB-432B-8DAE-1953F412C126}" type="datetimeFigureOut">
               <a:rPr lang="en-US" smtClean="0"/>
               <a:pPr/>
-              <a:t>2/26/2018</a:t>
+              <a:t>5/8/2018</a:t>
             </a:fld>
             <a:endParaRPr lang="en-US" dirty="0"/>
           </a:p>
@@ -1568,7 +1568,7 @@
     </p:spTree>
     <p:extLst>
       <p:ext uri="{BB962C8B-B14F-4D97-AF65-F5344CB8AC3E}">
-        <p14:creationId xmlns:p14="http://schemas.microsoft.com/office/powerpoint/2010/main" xmlns="" val="1473712570"/>
+        <p14:creationId xmlns="" xmlns:p14="http://schemas.microsoft.com/office/powerpoint/2010/main" val="1473712570"/>
       </p:ext>
     </p:extLst>
   </p:cSld>
@@ -1769,7 +1769,7 @@
             <a:fld id="{48A87A34-81AB-432B-8DAE-1953F412C126}" type="datetimeFigureOut">
               <a:rPr lang="en-US" smtClean="0"/>
               <a:pPr/>
-              <a:t>2/26/2018</a:t>
+              <a:t>5/8/2018</a:t>
             </a:fld>
             <a:endParaRPr lang="en-US" dirty="0"/>
           </a:p>
@@ -1821,7 +1821,7 @@
     </p:spTree>
     <p:extLst>
       <p:ext uri="{BB962C8B-B14F-4D97-AF65-F5344CB8AC3E}">
-        <p14:creationId xmlns:p14="http://schemas.microsoft.com/office/powerpoint/2010/main" xmlns="" val="2530574234"/>
+        <p14:creationId xmlns="" xmlns:p14="http://schemas.microsoft.com/office/powerpoint/2010/main" val="2530574234"/>
       </p:ext>
     </p:extLst>
   </p:cSld>
@@ -2085,7 +2085,7 @@
             <a:fld id="{48A87A34-81AB-432B-8DAE-1953F412C126}" type="datetimeFigureOut">
               <a:rPr lang="en-US" smtClean="0"/>
               <a:pPr/>
-              <a:t>2/26/2018</a:t>
+              <a:t>5/8/2018</a:t>
             </a:fld>
             <a:endParaRPr lang="en-US" dirty="0"/>
           </a:p>
@@ -2219,7 +2219,7 @@
     </p:spTree>
     <p:extLst>
       <p:ext uri="{BB962C8B-B14F-4D97-AF65-F5344CB8AC3E}">
-        <p14:creationId xmlns:p14="http://schemas.microsoft.com/office/powerpoint/2010/main" xmlns="" val="1004790222"/>
+        <p14:creationId xmlns="" xmlns:p14="http://schemas.microsoft.com/office/powerpoint/2010/main" val="1004790222"/>
       </p:ext>
     </p:extLst>
   </p:cSld>
@@ -2480,7 +2480,7 @@
             <a:fld id="{48A87A34-81AB-432B-8DAE-1953F412C126}" type="datetimeFigureOut">
               <a:rPr lang="en-US" smtClean="0"/>
               <a:pPr/>
-              <a:t>2/26/2018</a:t>
+              <a:t>5/8/2018</a:t>
             </a:fld>
             <a:endParaRPr lang="en-US" dirty="0"/>
           </a:p>
@@ -2532,7 +2532,7 @@
     </p:spTree>
     <p:extLst>
       <p:ext uri="{BB962C8B-B14F-4D97-AF65-F5344CB8AC3E}">
-        <p14:creationId xmlns:p14="http://schemas.microsoft.com/office/powerpoint/2010/main" xmlns="" val="3328784466"/>
+        <p14:creationId xmlns="" xmlns:p14="http://schemas.microsoft.com/office/powerpoint/2010/main" val="3328784466"/>
       </p:ext>
     </p:extLst>
   </p:cSld>
@@ -2652,7 +2652,7 @@
             <a:fld id="{48A87A34-81AB-432B-8DAE-1953F412C126}" type="datetimeFigureOut">
               <a:rPr lang="en-US" smtClean="0"/>
               <a:pPr/>
-              <a:t>2/26/2018</a:t>
+              <a:t>5/8/2018</a:t>
             </a:fld>
             <a:endParaRPr lang="en-US" dirty="0"/>
           </a:p>
@@ -2704,7 +2704,7 @@
     </p:spTree>
     <p:extLst>
       <p:ext uri="{BB962C8B-B14F-4D97-AF65-F5344CB8AC3E}">
-        <p14:creationId xmlns:p14="http://schemas.microsoft.com/office/powerpoint/2010/main" xmlns="" val="1447070425"/>
+        <p14:creationId xmlns="" xmlns:p14="http://schemas.microsoft.com/office/powerpoint/2010/main" val="1447070425"/>
       </p:ext>
     </p:extLst>
   </p:cSld>
@@ -2834,7 +2834,7 @@
             <a:fld id="{48A87A34-81AB-432B-8DAE-1953F412C126}" type="datetimeFigureOut">
               <a:rPr lang="en-US" smtClean="0"/>
               <a:pPr/>
-              <a:t>2/26/2018</a:t>
+              <a:t>5/8/2018</a:t>
             </a:fld>
             <a:endParaRPr lang="en-US" dirty="0"/>
           </a:p>
@@ -2886,7 +2886,7 @@
     </p:spTree>
     <p:extLst>
       <p:ext uri="{BB962C8B-B14F-4D97-AF65-F5344CB8AC3E}">
-        <p14:creationId xmlns:p14="http://schemas.microsoft.com/office/powerpoint/2010/main" xmlns="" val="3648480235"/>
+        <p14:creationId xmlns="" xmlns:p14="http://schemas.microsoft.com/office/powerpoint/2010/main" val="3648480235"/>
       </p:ext>
     </p:extLst>
   </p:cSld>
@@ -3012,7 +3012,7 @@
             <a:fld id="{48A87A34-81AB-432B-8DAE-1953F412C126}" type="datetimeFigureOut">
               <a:rPr lang="en-US" smtClean="0"/>
               <a:pPr/>
-              <a:t>2/26/2018</a:t>
+              <a:t>5/8/2018</a:t>
             </a:fld>
             <a:endParaRPr lang="en-US" dirty="0"/>
           </a:p>
@@ -3064,7 +3064,7 @@
     </p:spTree>
     <p:extLst>
       <p:ext uri="{BB962C8B-B14F-4D97-AF65-F5344CB8AC3E}">
-        <p14:creationId xmlns:p14="http://schemas.microsoft.com/office/powerpoint/2010/main" xmlns="" val="2649633687"/>
+        <p14:creationId xmlns="" xmlns:p14="http://schemas.microsoft.com/office/powerpoint/2010/main" val="2649633687"/>
       </p:ext>
     </p:extLst>
   </p:cSld>
@@ -3261,7 +3261,7 @@
             <a:fld id="{48A87A34-81AB-432B-8DAE-1953F412C126}" type="datetimeFigureOut">
               <a:rPr lang="en-US" smtClean="0"/>
               <a:pPr/>
-              <a:t>2/26/2018</a:t>
+              <a:t>5/8/2018</a:t>
             </a:fld>
             <a:endParaRPr lang="en-US" dirty="0"/>
           </a:p>
@@ -3313,7 +3313,7 @@
     </p:spTree>
     <p:extLst>
       <p:ext uri="{BB962C8B-B14F-4D97-AF65-F5344CB8AC3E}">
-        <p14:creationId xmlns:p14="http://schemas.microsoft.com/office/powerpoint/2010/main" xmlns="" val="572893903"/>
+        <p14:creationId xmlns="" xmlns:p14="http://schemas.microsoft.com/office/powerpoint/2010/main" val="572893903"/>
       </p:ext>
     </p:extLst>
   </p:cSld>
@@ -3495,7 +3495,7 @@
             <a:fld id="{48A87A34-81AB-432B-8DAE-1953F412C126}" type="datetimeFigureOut">
               <a:rPr lang="en-US" smtClean="0"/>
               <a:pPr/>
-              <a:t>2/26/2018</a:t>
+              <a:t>5/8/2018</a:t>
             </a:fld>
             <a:endParaRPr lang="en-US" dirty="0"/>
           </a:p>
@@ -3547,7 +3547,7 @@
     </p:spTree>
     <p:extLst>
       <p:ext uri="{BB962C8B-B14F-4D97-AF65-F5344CB8AC3E}">
-        <p14:creationId xmlns:p14="http://schemas.microsoft.com/office/powerpoint/2010/main" xmlns="" val="3918475607"/>
+        <p14:creationId xmlns="" xmlns:p14="http://schemas.microsoft.com/office/powerpoint/2010/main" val="3918475607"/>
       </p:ext>
     </p:extLst>
   </p:cSld>
@@ -3871,7 +3871,7 @@
             <a:fld id="{48A87A34-81AB-432B-8DAE-1953F412C126}" type="datetimeFigureOut">
               <a:rPr lang="en-US" smtClean="0"/>
               <a:pPr/>
-              <a:t>2/26/2018</a:t>
+              <a:t>5/8/2018</a:t>
             </a:fld>
             <a:endParaRPr lang="en-US" dirty="0"/>
           </a:p>
@@ -3923,7 +3923,7 @@
     </p:spTree>
     <p:extLst>
       <p:ext uri="{BB962C8B-B14F-4D97-AF65-F5344CB8AC3E}">
-        <p14:creationId xmlns:p14="http://schemas.microsoft.com/office/powerpoint/2010/main" xmlns="" val="70569158"/>
+        <p14:creationId xmlns="" xmlns:p14="http://schemas.microsoft.com/office/powerpoint/2010/main" val="70569158"/>
       </p:ext>
     </p:extLst>
   </p:cSld>
@@ -3996,7 +3996,7 @@
             <a:fld id="{48A87A34-81AB-432B-8DAE-1953F412C126}" type="datetimeFigureOut">
               <a:rPr lang="en-US" smtClean="0"/>
               <a:pPr/>
-              <a:t>2/26/2018</a:t>
+              <a:t>5/8/2018</a:t>
             </a:fld>
             <a:endParaRPr lang="en-US" dirty="0"/>
           </a:p>
@@ -4048,7 +4048,7 @@
     </p:spTree>
     <p:extLst>
       <p:ext uri="{BB962C8B-B14F-4D97-AF65-F5344CB8AC3E}">
-        <p14:creationId xmlns:p14="http://schemas.microsoft.com/office/powerpoint/2010/main" xmlns="" val="3956773614"/>
+        <p14:creationId xmlns="" xmlns:p14="http://schemas.microsoft.com/office/powerpoint/2010/main" val="3956773614"/>
       </p:ext>
     </p:extLst>
   </p:cSld>
@@ -4093,7 +4093,7 @@
             <a:fld id="{48A87A34-81AB-432B-8DAE-1953F412C126}" type="datetimeFigureOut">
               <a:rPr lang="en-US" smtClean="0"/>
               <a:pPr/>
-              <a:t>2/26/2018</a:t>
+              <a:t>5/8/2018</a:t>
             </a:fld>
             <a:endParaRPr lang="en-US" dirty="0"/>
           </a:p>
@@ -4145,7 +4145,7 @@
     </p:spTree>
     <p:extLst>
       <p:ext uri="{BB962C8B-B14F-4D97-AF65-F5344CB8AC3E}">
-        <p14:creationId xmlns:p14="http://schemas.microsoft.com/office/powerpoint/2010/main" xmlns="" val="843387325"/>
+        <p14:creationId xmlns="" xmlns:p14="http://schemas.microsoft.com/office/powerpoint/2010/main" val="843387325"/>
       </p:ext>
     </p:extLst>
   </p:cSld>
@@ -4350,7 +4350,7 @@
             <a:fld id="{48A87A34-81AB-432B-8DAE-1953F412C126}" type="datetimeFigureOut">
               <a:rPr lang="en-US" smtClean="0"/>
               <a:pPr/>
-              <a:t>2/26/2018</a:t>
+              <a:t>5/8/2018</a:t>
             </a:fld>
             <a:endParaRPr lang="en-US" dirty="0"/>
           </a:p>
@@ -4402,7 +4402,7 @@
     </p:spTree>
     <p:extLst>
       <p:ext uri="{BB962C8B-B14F-4D97-AF65-F5344CB8AC3E}">
-        <p14:creationId xmlns:p14="http://schemas.microsoft.com/office/powerpoint/2010/main" xmlns="" val="614752468"/>
+        <p14:creationId xmlns="" xmlns:p14="http://schemas.microsoft.com/office/powerpoint/2010/main" val="614752468"/>
       </p:ext>
     </p:extLst>
   </p:cSld>
@@ -4615,7 +4615,7 @@
             <a:fld id="{48A87A34-81AB-432B-8DAE-1953F412C126}" type="datetimeFigureOut">
               <a:rPr lang="en-US" smtClean="0"/>
               <a:pPr/>
-              <a:t>2/26/2018</a:t>
+              <a:t>5/8/2018</a:t>
             </a:fld>
             <a:endParaRPr lang="en-US" dirty="0"/>
           </a:p>
@@ -4667,7 +4667,7 @@
     </p:spTree>
     <p:extLst>
       <p:ext uri="{BB962C8B-B14F-4D97-AF65-F5344CB8AC3E}">
-        <p14:creationId xmlns:p14="http://schemas.microsoft.com/office/powerpoint/2010/main" xmlns="" val="2525773852"/>
+        <p14:creationId xmlns="" xmlns:p14="http://schemas.microsoft.com/office/powerpoint/2010/main" val="2525773852"/>
       </p:ext>
     </p:extLst>
   </p:cSld>
@@ -5360,7 +5360,7 @@
             <a:fld id="{48A87A34-81AB-432B-8DAE-1953F412C126}" type="datetimeFigureOut">
               <a:rPr lang="en-US" smtClean="0"/>
               <a:pPr/>
-              <a:t>2/26/2018</a:t>
+              <a:t>5/8/2018</a:t>
             </a:fld>
             <a:endParaRPr lang="en-US" dirty="0"/>
           </a:p>
@@ -5446,7 +5446,7 @@
     </p:spTree>
     <p:extLst>
       <p:ext uri="{BB962C8B-B14F-4D97-AF65-F5344CB8AC3E}">
-        <p14:creationId xmlns:p14="http://schemas.microsoft.com/office/powerpoint/2010/main" xmlns="" val="2849168193"/>
+        <p14:creationId xmlns="" xmlns:p14="http://schemas.microsoft.com/office/powerpoint/2010/main" val="2849168193"/>
       </p:ext>
     </p:extLst>
   </p:cSld>
@@ -5937,7 +5937,7 @@
     </p:spTree>
     <p:extLst>
       <p:ext uri="{BB962C8B-B14F-4D97-AF65-F5344CB8AC3E}">
-        <p14:creationId xmlns:p14="http://schemas.microsoft.com/office/powerpoint/2010/main" xmlns="" val="1597654807"/>
+        <p14:creationId xmlns="" xmlns:p14="http://schemas.microsoft.com/office/powerpoint/2010/main" val="1597654807"/>
       </p:ext>
     </p:extLst>
   </p:cSld>
@@ -6197,7 +6197,7 @@
     </p:spTree>
     <p:extLst>
       <p:ext uri="{BB962C8B-B14F-4D97-AF65-F5344CB8AC3E}">
-        <p14:creationId xmlns:p14="http://schemas.microsoft.com/office/powerpoint/2010/main" xmlns="" val="999608912"/>
+        <p14:creationId xmlns="" xmlns:p14="http://schemas.microsoft.com/office/powerpoint/2010/main" val="999608912"/>
       </p:ext>
     </p:extLst>
   </p:cSld>
@@ -6463,6 +6463,13 @@
               </a:rPr>
               <a:t> أوامر لتنفيذ فعاليات </a:t>
             </a:r>
+            <a:r>
+              <a:rPr lang="en-US" sz="5000" smtClean="0">
+                <a:latin typeface="Ara Hamah Alislam" panose="00000500000000000000" pitchFamily="2" charset="-78"/>
+                <a:cs typeface="Ara Hamah Alislam" panose="00000500000000000000" pitchFamily="2" charset="-78"/>
+              </a:rPr>
+              <a:t> </a:t>
+            </a:r>
             <a:endParaRPr lang="he-IL" sz="5000" dirty="0" smtClean="0">
               <a:latin typeface="Ara Hamah Alislam" panose="00000500000000000000" pitchFamily="2" charset="-78"/>
             </a:endParaRPr>
@@ -6472,7 +6479,7 @@
     </p:spTree>
     <p:extLst>
       <p:ext uri="{BB962C8B-B14F-4D97-AF65-F5344CB8AC3E}">
-        <p14:creationId xmlns:p14="http://schemas.microsoft.com/office/powerpoint/2010/main" xmlns="" val="999608912"/>
+        <p14:creationId xmlns="" xmlns:p14="http://schemas.microsoft.com/office/powerpoint/2010/main" val="999608912"/>
       </p:ext>
     </p:extLst>
   </p:cSld>
@@ -6617,7 +6624,7 @@
     </p:spTree>
     <p:extLst>
       <p:ext uri="{BB962C8B-B14F-4D97-AF65-F5344CB8AC3E}">
-        <p14:creationId xmlns:p14="http://schemas.microsoft.com/office/powerpoint/2010/main" xmlns="" val="2508929371"/>
+        <p14:creationId xmlns="" xmlns:p14="http://schemas.microsoft.com/office/powerpoint/2010/main" val="2508929371"/>
       </p:ext>
     </p:extLst>
   </p:cSld>
@@ -6884,7 +6891,7 @@
     </p:spTree>
     <p:extLst>
       <p:ext uri="{BB962C8B-B14F-4D97-AF65-F5344CB8AC3E}">
-        <p14:creationId xmlns:p14="http://schemas.microsoft.com/office/powerpoint/2010/main" xmlns="" val="2508929371"/>
+        <p14:creationId xmlns="" xmlns:p14="http://schemas.microsoft.com/office/powerpoint/2010/main" val="2508929371"/>
       </p:ext>
     </p:extLst>
   </p:cSld>
@@ -7051,7 +7058,7 @@
     </p:spTree>
     <p:extLst>
       <p:ext uri="{BB962C8B-B14F-4D97-AF65-F5344CB8AC3E}">
-        <p14:creationId xmlns:p14="http://schemas.microsoft.com/office/powerpoint/2010/main" xmlns="" val="2508929371"/>
+        <p14:creationId xmlns="" xmlns:p14="http://schemas.microsoft.com/office/powerpoint/2010/main" val="2508929371"/>
       </p:ext>
     </p:extLst>
   </p:cSld>
@@ -7276,7 +7283,7 @@
     </p:spTree>
     <p:extLst>
       <p:ext uri="{BB962C8B-B14F-4D97-AF65-F5344CB8AC3E}">
-        <p14:creationId xmlns:p14="http://schemas.microsoft.com/office/powerpoint/2010/main" xmlns="" val="2508929371"/>
+        <p14:creationId xmlns="" xmlns:p14="http://schemas.microsoft.com/office/powerpoint/2010/main" val="2508929371"/>
       </p:ext>
     </p:extLst>
   </p:cSld>
@@ -7424,7 +7431,7 @@
     </p:spTree>
     <p:extLst>
       <p:ext uri="{BB962C8B-B14F-4D97-AF65-F5344CB8AC3E}">
-        <p14:creationId xmlns:p14="http://schemas.microsoft.com/office/powerpoint/2010/main" xmlns="" val="2508929371"/>
+        <p14:creationId xmlns="" xmlns:p14="http://schemas.microsoft.com/office/powerpoint/2010/main" val="2508929371"/>
       </p:ext>
     </p:extLst>
   </p:cSld>
@@ -7739,7 +7746,7 @@
     </p:spTree>
     <p:extLst>
       <p:ext uri="{BB962C8B-B14F-4D97-AF65-F5344CB8AC3E}">
-        <p14:creationId xmlns:p14="http://schemas.microsoft.com/office/powerpoint/2010/main" xmlns="" val="999608912"/>
+        <p14:creationId xmlns="" xmlns:p14="http://schemas.microsoft.com/office/powerpoint/2010/main" val="999608912"/>
       </p:ext>
     </p:extLst>
   </p:cSld>
@@ -7857,7 +7864,7 @@
     </p:spTree>
     <p:extLst>
       <p:ext uri="{BB962C8B-B14F-4D97-AF65-F5344CB8AC3E}">
-        <p14:creationId xmlns:p14="http://schemas.microsoft.com/office/powerpoint/2010/main" xmlns="" val="999608912"/>
+        <p14:creationId xmlns="" xmlns:p14="http://schemas.microsoft.com/office/powerpoint/2010/main" val="999608912"/>
       </p:ext>
     </p:extLst>
   </p:cSld>
@@ -7961,7 +7968,7 @@
           <a:blip r:embed="rId2">
             <a:extLst>
               <a:ext uri="{28A0092B-C50C-407E-A947-70E740481C1C}">
-                <a14:useLocalDpi xmlns:a14="http://schemas.microsoft.com/office/drawing/2010/main" xmlns="" val="0"/>
+                <a14:useLocalDpi xmlns="" xmlns:a14="http://schemas.microsoft.com/office/drawing/2010/main" val="0"/>
               </a:ext>
             </a:extLst>
           </a:blip>
@@ -7979,7 +7986,7 @@
     </p:spTree>
     <p:extLst>
       <p:ext uri="{BB962C8B-B14F-4D97-AF65-F5344CB8AC3E}">
-        <p14:creationId xmlns:p14="http://schemas.microsoft.com/office/powerpoint/2010/main" xmlns="" val="999608912"/>
+        <p14:creationId xmlns="" xmlns:p14="http://schemas.microsoft.com/office/powerpoint/2010/main" val="999608912"/>
       </p:ext>
     </p:extLst>
   </p:cSld>
@@ -8083,7 +8090,7 @@
           <a:blip r:embed="rId2">
             <a:extLst>
               <a:ext uri="{28A0092B-C50C-407E-A947-70E740481C1C}">
-                <a14:useLocalDpi xmlns:a14="http://schemas.microsoft.com/office/drawing/2010/main" xmlns="" val="0"/>
+                <a14:useLocalDpi xmlns="" xmlns:a14="http://schemas.microsoft.com/office/drawing/2010/main" val="0"/>
               </a:ext>
             </a:extLst>
           </a:blip>
@@ -8101,7 +8108,7 @@
     </p:spTree>
     <p:extLst>
       <p:ext uri="{BB962C8B-B14F-4D97-AF65-F5344CB8AC3E}">
-        <p14:creationId xmlns:p14="http://schemas.microsoft.com/office/powerpoint/2010/main" xmlns="" val="999608912"/>
+        <p14:creationId xmlns="" xmlns:p14="http://schemas.microsoft.com/office/powerpoint/2010/main" val="999608912"/>
       </p:ext>
     </p:extLst>
   </p:cSld>
@@ -8369,7 +8376,7 @@
   <a:extraClrSchemeLst/>
   <a:extLst>
     <a:ext uri="{05A4C25C-085E-4340-85A3-A5531E510DB2}">
-      <thm15:themeFamily xmlns:thm15="http://schemas.microsoft.com/office/thememl/2012/main" xmlns="" name="Facet" id="{C0C680CD-088A-49FC-A102-D699147F32B2}" vid="{CFBC31BA-B70F-4F30-BCAA-4F3011E16C4D}"/>
+      <thm15:themeFamily xmlns="" xmlns:thm15="http://schemas.microsoft.com/office/thememl/2012/main" name="Facet" id="{C0C680CD-088A-49FC-A102-D699147F32B2}" vid="{CFBC31BA-B70F-4F30-BCAA-4F3011E16C4D}"/>
     </a:ext>
   </a:extLst>
 </a:theme>
